--- a/aws-introduction/aws-introduction.pptx
+++ b/aws-introduction/aws-introduction.pptx
@@ -534,40 +534,6 @@
           <a:bodyPr/>
           <a:lstStyle/>
           <a:p>
-            <a:pPr marL="228600" indent="-228600">
-              <a:buFont typeface="Arial"/>
-              <a:buChar char="•"/>
-            </a:pPr>
-            <a:r>
-              <a:rPr lang="en-US" dirty="0" smtClean="0"/>
-              <a:t>Cloud</a:t>
-            </a:r>
-            <a:r>
-              <a:rPr lang="en-US" baseline="0" dirty="0" smtClean="0"/>
-              <a:t> Computing definition, as taken the “The NIST Definition of Cloud Computing” “http://</a:t>
-            </a:r>
-            <a:r>
-              <a:rPr lang="en-US" baseline="0" dirty="0" err="1" smtClean="0"/>
-              <a:t>csrc.nist.gov</a:t>
-            </a:r>
-            <a:r>
-              <a:rPr lang="en-US" baseline="0" dirty="0" smtClean="0"/>
-              <a:t>/publications/</a:t>
-            </a:r>
-            <a:r>
-              <a:rPr lang="en-US" baseline="0" dirty="0" err="1" smtClean="0"/>
-              <a:t>nistpubs</a:t>
-            </a:r>
-            <a:r>
-              <a:rPr lang="en-US" baseline="0" dirty="0" smtClean="0"/>
-              <a:t>/800-145/SP800-145.pdf</a:t>
-            </a:r>
-          </a:p>
-          <a:p>
-            <a:pPr marL="228600" indent="-228600">
-              <a:buFont typeface="Arial"/>
-              <a:buChar char="•"/>
-            </a:pPr>
             <a:endParaRPr lang="en-US" dirty="0"/>
           </a:p>
         </p:txBody>
@@ -589,7 +555,7 @@
           <a:p>
             <a:fld id="{BFB43062-714D-1146-A97F-0D45BD9E7BF0}" type="slidenum">
               <a:rPr lang="en-US" smtClean="0"/>
-              <a:t>4</a:t>
+              <a:t>1</a:t>
             </a:fld>
             <a:endParaRPr lang="en-US"/>
           </a:p>
@@ -598,7 +564,7 @@
     </p:spTree>
     <p:extLst>
       <p:ext uri="{BB962C8B-B14F-4D97-AF65-F5344CB8AC3E}">
-        <p14:creationId xmlns:p14="http://schemas.microsoft.com/office/powerpoint/2010/main" val="3463813937"/>
+        <p14:creationId xmlns:p14="http://schemas.microsoft.com/office/powerpoint/2010/main" val="2589343029"/>
       </p:ext>
     </p:extLst>
   </p:cSld>
@@ -656,36 +622,7 @@
               <a:buFont typeface="Arial"/>
               <a:buNone/>
             </a:pPr>
-            <a:r>
-              <a:rPr lang="en-US" baseline="0" dirty="0" smtClean="0"/>
-              <a:t>References:</a:t>
-            </a:r>
-          </a:p>
-          <a:p>
-            <a:pPr marL="171450" indent="-171450">
-              <a:buFont typeface="Arial"/>
-              <a:buChar char="•"/>
-            </a:pPr>
-            <a:r>
-              <a:rPr lang="en-US" baseline="0" dirty="0" smtClean="0"/>
-              <a:t>EC2 SLA: http://</a:t>
-            </a:r>
-            <a:r>
-              <a:rPr lang="en-US" baseline="0" dirty="0" err="1" smtClean="0"/>
-              <a:t>aws.amazon.com</a:t>
-            </a:r>
-            <a:r>
-              <a:rPr lang="en-US" baseline="0" dirty="0" smtClean="0"/>
-              <a:t>/ec2/</a:t>
-            </a:r>
-            <a:r>
-              <a:rPr lang="en-US" baseline="0" dirty="0" err="1" smtClean="0"/>
-              <a:t>sla</a:t>
-            </a:r>
-            <a:r>
-              <a:rPr lang="en-US" baseline="0" dirty="0" smtClean="0"/>
-              <a:t>/</a:t>
-            </a:r>
+            <a:endParaRPr lang="en-US" baseline="0" dirty="0" smtClean="0"/>
           </a:p>
         </p:txBody>
       </p:sp>
@@ -706,7 +643,7 @@
           <a:p>
             <a:fld id="{BFB43062-714D-1146-A97F-0D45BD9E7BF0}" type="slidenum">
               <a:rPr lang="en-US" smtClean="0"/>
-              <a:t>14</a:t>
+              <a:t>13</a:t>
             </a:fld>
             <a:endParaRPr lang="en-US"/>
           </a:p>
@@ -785,21 +722,24 @@
             </a:pPr>
             <a:r>
               <a:rPr lang="en-US" baseline="0" dirty="0" smtClean="0"/>
-              <a:t>http://</a:t>
+              <a:t>EC2 SLA: http://</a:t>
             </a:r>
             <a:r>
               <a:rPr lang="en-US" baseline="0" dirty="0" err="1" smtClean="0"/>
-              <a:t>en.wikipedia.org</a:t>
+              <a:t>aws.amazon.com</a:t>
             </a:r>
             <a:r>
               <a:rPr lang="en-US" baseline="0" dirty="0" smtClean="0"/>
-              <a:t>/wiki/</a:t>
+              <a:t>/ec2/</a:t>
             </a:r>
             <a:r>
               <a:rPr lang="en-US" baseline="0" dirty="0" err="1" smtClean="0"/>
-              <a:t>Scalability#Horizontal_and_vertical_scaling</a:t>
-            </a:r>
-            <a:endParaRPr lang="en-US" baseline="0" dirty="0" smtClean="0"/>
+              <a:t>sla</a:t>
+            </a:r>
+            <a:r>
+              <a:rPr lang="en-US" baseline="0" dirty="0" smtClean="0"/>
+              <a:t>/</a:t>
+            </a:r>
           </a:p>
         </p:txBody>
       </p:sp>
@@ -820,7 +760,7 @@
           <a:p>
             <a:fld id="{BFB43062-714D-1146-A97F-0D45BD9E7BF0}" type="slidenum">
               <a:rPr lang="en-US" smtClean="0"/>
-              <a:t>15</a:t>
+              <a:t>14</a:t>
             </a:fld>
             <a:endParaRPr lang="en-US"/>
           </a:p>
@@ -889,36 +829,8 @@
             </a:pPr>
             <a:r>
               <a:rPr lang="en-US" baseline="0" dirty="0" smtClean="0"/>
-              <a:t>References: http://</a:t>
-            </a:r>
-            <a:r>
-              <a:rPr lang="en-US" baseline="0" dirty="0" err="1" smtClean="0"/>
-              <a:t>docs.aws.amazon.com</a:t>
-            </a:r>
-            <a:r>
-              <a:rPr lang="en-US" baseline="0" dirty="0" smtClean="0"/>
-              <a:t>/AWSEC2/latest/</a:t>
-            </a:r>
-            <a:r>
-              <a:rPr lang="en-US" baseline="0" dirty="0" err="1" smtClean="0"/>
-              <a:t>UserGuide</a:t>
-            </a:r>
-            <a:r>
-              <a:rPr lang="en-US" baseline="0" dirty="0" smtClean="0"/>
-              <a:t>/using-network-</a:t>
-            </a:r>
-            <a:r>
-              <a:rPr lang="en-US" baseline="0" dirty="0" err="1" smtClean="0"/>
-              <a:t>security.html</a:t>
-            </a:r>
-            <a:endParaRPr lang="en-US" baseline="0" dirty="0" smtClean="0"/>
-          </a:p>
-          <a:p>
-            <a:pPr marL="0" indent="0">
-              <a:buFont typeface="Arial"/>
-              <a:buNone/>
-            </a:pPr>
-            <a:endParaRPr lang="en-US" baseline="0" dirty="0" smtClean="0"/>
+              <a:t>References:</a:t>
+            </a:r>
           </a:p>
           <a:p>
             <a:pPr marL="171450" indent="-171450">
@@ -927,24 +839,20 @@
             </a:pPr>
             <a:r>
               <a:rPr lang="en-US" baseline="0" dirty="0" smtClean="0"/>
-              <a:t>Rules referencing IP Addresses: generally a poor practice due to difficulty in maintaining rules and changing IP addresses as result of DHCP, IP address changes or changes in physical infrastructure.</a:t>
-            </a:r>
-          </a:p>
-          <a:p>
-            <a:pPr marL="171450" indent="-171450">
-              <a:buFont typeface="Arial"/>
-              <a:buChar char="•"/>
-            </a:pPr>
+              <a:t>http://</a:t>
+            </a:r>
+            <a:r>
+              <a:rPr lang="en-US" baseline="0" dirty="0" err="1" smtClean="0"/>
+              <a:t>en.wikipedia.org</a:t>
+            </a:r>
             <a:r>
               <a:rPr lang="en-US" baseline="0" dirty="0" smtClean="0"/>
-              <a:t>Rules referencing Security Groups: generally a good practice, particularly as new instances “scale” into service and inherit security group membership from Auto Scaling Group</a:t>
-            </a:r>
-          </a:p>
-          <a:p>
-            <a:pPr marL="0" indent="0">
-              <a:buFont typeface="Arial"/>
-              <a:buNone/>
-            </a:pPr>
+              <a:t>/wiki/</a:t>
+            </a:r>
+            <a:r>
+              <a:rPr lang="en-US" baseline="0" dirty="0" err="1" smtClean="0"/>
+              <a:t>Scalability#Horizontal_and_vertical_scaling</a:t>
+            </a:r>
             <a:endParaRPr lang="en-US" baseline="0" dirty="0" smtClean="0"/>
           </a:p>
         </p:txBody>
@@ -966,7 +874,7 @@
           <a:p>
             <a:fld id="{BFB43062-714D-1146-A97F-0D45BD9E7BF0}" type="slidenum">
               <a:rPr lang="en-US" smtClean="0"/>
-              <a:t>16</a:t>
+              <a:t>15</a:t>
             </a:fld>
             <a:endParaRPr lang="en-US"/>
           </a:p>
@@ -1029,7 +937,69 @@
           <a:bodyPr/>
           <a:lstStyle/>
           <a:p>
-            <a:endParaRPr lang="en-US" dirty="0"/>
+            <a:pPr marL="0" indent="0">
+              <a:buFont typeface="Arial"/>
+              <a:buNone/>
+            </a:pPr>
+            <a:r>
+              <a:rPr lang="en-US" baseline="0" dirty="0" smtClean="0"/>
+              <a:t>References: http://</a:t>
+            </a:r>
+            <a:r>
+              <a:rPr lang="en-US" baseline="0" dirty="0" err="1" smtClean="0"/>
+              <a:t>docs.aws.amazon.com</a:t>
+            </a:r>
+            <a:r>
+              <a:rPr lang="en-US" baseline="0" dirty="0" smtClean="0"/>
+              <a:t>/AWSEC2/latest/</a:t>
+            </a:r>
+            <a:r>
+              <a:rPr lang="en-US" baseline="0" dirty="0" err="1" smtClean="0"/>
+              <a:t>UserGuide</a:t>
+            </a:r>
+            <a:r>
+              <a:rPr lang="en-US" baseline="0" dirty="0" smtClean="0"/>
+              <a:t>/using-network-</a:t>
+            </a:r>
+            <a:r>
+              <a:rPr lang="en-US" baseline="0" dirty="0" err="1" smtClean="0"/>
+              <a:t>security.html</a:t>
+            </a:r>
+            <a:endParaRPr lang="en-US" baseline="0" dirty="0" smtClean="0"/>
+          </a:p>
+          <a:p>
+            <a:pPr marL="0" indent="0">
+              <a:buFont typeface="Arial"/>
+              <a:buNone/>
+            </a:pPr>
+            <a:endParaRPr lang="en-US" baseline="0" dirty="0" smtClean="0"/>
+          </a:p>
+          <a:p>
+            <a:pPr marL="171450" indent="-171450">
+              <a:buFont typeface="Arial"/>
+              <a:buChar char="•"/>
+            </a:pPr>
+            <a:r>
+              <a:rPr lang="en-US" baseline="0" dirty="0" smtClean="0"/>
+              <a:t>Rules referencing IP Addresses: generally a poor practice due to difficulty in maintaining rules and changing IP addresses as result of DHCP, IP address changes or changes in physical infrastructure.</a:t>
+            </a:r>
+          </a:p>
+          <a:p>
+            <a:pPr marL="171450" indent="-171450">
+              <a:buFont typeface="Arial"/>
+              <a:buChar char="•"/>
+            </a:pPr>
+            <a:r>
+              <a:rPr lang="en-US" baseline="0" dirty="0" smtClean="0"/>
+              <a:t>Rules referencing Security Groups: generally a good practice, particularly as new instances “scale” into service and inherit security group membership from Auto Scaling Group</a:t>
+            </a:r>
+          </a:p>
+          <a:p>
+            <a:pPr marL="0" indent="0">
+              <a:buFont typeface="Arial"/>
+              <a:buNone/>
+            </a:pPr>
+            <a:endParaRPr lang="en-US" baseline="0" dirty="0" smtClean="0"/>
           </a:p>
         </p:txBody>
       </p:sp>
@@ -1050,7 +1020,7 @@
           <a:p>
             <a:fld id="{BFB43062-714D-1146-A97F-0D45BD9E7BF0}" type="slidenum">
               <a:rPr lang="en-US" smtClean="0"/>
-              <a:t>17</a:t>
+              <a:t>16</a:t>
             </a:fld>
             <a:endParaRPr lang="en-US"/>
           </a:p>
@@ -1059,7 +1029,7 @@
     </p:spTree>
     <p:extLst>
       <p:ext uri="{BB962C8B-B14F-4D97-AF65-F5344CB8AC3E}">
-        <p14:creationId xmlns:p14="http://schemas.microsoft.com/office/powerpoint/2010/main" val="4236847584"/>
+        <p14:creationId xmlns:p14="http://schemas.microsoft.com/office/powerpoint/2010/main" val="3463813937"/>
       </p:ext>
     </p:extLst>
   </p:cSld>
@@ -1113,14 +1083,6 @@
           <a:bodyPr/>
           <a:lstStyle/>
           <a:p>
-            <a:r>
-              <a:rPr lang="en-US" dirty="0" smtClean="0"/>
-              <a:t>*Exposing</a:t>
-            </a:r>
-            <a:r>
-              <a:rPr lang="en-US" baseline="0" dirty="0" smtClean="0"/>
-              <a:t> port 22 to the Internet is generally regarded as a poor practice</a:t>
-            </a:r>
             <a:endParaRPr lang="en-US" dirty="0"/>
           </a:p>
         </p:txBody>
@@ -1142,7 +1104,7 @@
           <a:p>
             <a:fld id="{BFB43062-714D-1146-A97F-0D45BD9E7BF0}" type="slidenum">
               <a:rPr lang="en-US" smtClean="0"/>
-              <a:t>18</a:t>
+              <a:t>17</a:t>
             </a:fld>
             <a:endParaRPr lang="en-US"/>
           </a:p>
@@ -1205,11 +1167,15 @@
           <a:bodyPr/>
           <a:lstStyle/>
           <a:p>
-            <a:pPr marL="0" indent="0">
-              <a:buFont typeface="Arial"/>
-              <a:buNone/>
-            </a:pPr>
-            <a:endParaRPr lang="en-US" baseline="0" dirty="0" smtClean="0"/>
+            <a:r>
+              <a:rPr lang="en-US" dirty="0" smtClean="0"/>
+              <a:t>*Exposing</a:t>
+            </a:r>
+            <a:r>
+              <a:rPr lang="en-US" baseline="0" dirty="0" smtClean="0"/>
+              <a:t> port 22 to the Internet is generally regarded as a poor practice</a:t>
+            </a:r>
+            <a:endParaRPr lang="en-US" dirty="0"/>
           </a:p>
         </p:txBody>
       </p:sp>
@@ -1230,7 +1196,7 @@
           <a:p>
             <a:fld id="{BFB43062-714D-1146-A97F-0D45BD9E7BF0}" type="slidenum">
               <a:rPr lang="en-US" smtClean="0"/>
-              <a:t>19</a:t>
+              <a:t>18</a:t>
             </a:fld>
             <a:endParaRPr lang="en-US"/>
           </a:p>
@@ -1239,7 +1205,7 @@
     </p:spTree>
     <p:extLst>
       <p:ext uri="{BB962C8B-B14F-4D97-AF65-F5344CB8AC3E}">
-        <p14:creationId xmlns:p14="http://schemas.microsoft.com/office/powerpoint/2010/main" val="3463813937"/>
+        <p14:creationId xmlns:p14="http://schemas.microsoft.com/office/powerpoint/2010/main" val="4236847584"/>
       </p:ext>
     </p:extLst>
   </p:cSld>
@@ -1297,161 +1263,6 @@
               <a:buFont typeface="Arial"/>
               <a:buNone/>
             </a:pPr>
-            <a:r>
-              <a:rPr lang="en-US" baseline="0" dirty="0" smtClean="0"/>
-              <a:t>S3:</a:t>
-            </a:r>
-          </a:p>
-          <a:p>
-            <a:pPr marL="171450" indent="-171450">
-              <a:buFont typeface="Arial"/>
-              <a:buChar char="•"/>
-            </a:pPr>
-            <a:r>
-              <a:rPr lang="en-US" baseline="0" dirty="0" smtClean="0"/>
-              <a:t>One of the few AWS Services with an SLA</a:t>
-            </a:r>
-          </a:p>
-          <a:p>
-            <a:pPr marL="171450" indent="-171450">
-              <a:buFont typeface="Arial"/>
-              <a:buChar char="•"/>
-            </a:pPr>
-            <a:r>
-              <a:rPr lang="en-US" baseline="0" dirty="0" smtClean="0"/>
-              <a:t>Variable Performance</a:t>
-            </a:r>
-          </a:p>
-          <a:p>
-            <a:pPr marL="171450" indent="-171450">
-              <a:buFont typeface="Arial"/>
-              <a:buChar char="•"/>
-            </a:pPr>
-            <a:r>
-              <a:rPr lang="en-US" baseline="0" dirty="0" smtClean="0"/>
-              <a:t>Performance Optimizations are Available (http://</a:t>
-            </a:r>
-            <a:r>
-              <a:rPr lang="en-US" baseline="0" dirty="0" err="1" smtClean="0"/>
-              <a:t>docs.aws.amazon.com</a:t>
-            </a:r>
-            <a:r>
-              <a:rPr lang="en-US" baseline="0" dirty="0" smtClean="0"/>
-              <a:t>/AmazonS3/latest/</a:t>
-            </a:r>
-            <a:r>
-              <a:rPr lang="en-US" baseline="0" dirty="0" err="1" smtClean="0"/>
-              <a:t>dev</a:t>
-            </a:r>
-            <a:r>
-              <a:rPr lang="en-US" baseline="0" dirty="0" smtClean="0"/>
-              <a:t>/request-rate-</a:t>
-            </a:r>
-            <a:r>
-              <a:rPr lang="en-US" baseline="0" dirty="0" err="1" smtClean="0"/>
-              <a:t>perf</a:t>
-            </a:r>
-            <a:r>
-              <a:rPr lang="en-US" baseline="0" dirty="0" smtClean="0"/>
-              <a:t>-</a:t>
-            </a:r>
-            <a:r>
-              <a:rPr lang="en-US" baseline="0" dirty="0" err="1" smtClean="0"/>
-              <a:t>considerations.html</a:t>
-            </a:r>
-            <a:r>
-              <a:rPr lang="en-US" baseline="0" dirty="0" smtClean="0"/>
-              <a:t>)</a:t>
-            </a:r>
-          </a:p>
-          <a:p>
-            <a:pPr marL="0" indent="0">
-              <a:buFont typeface="Arial"/>
-              <a:buNone/>
-            </a:pPr>
-            <a:r>
-              <a:rPr lang="en-US" baseline="0" dirty="0" smtClean="0"/>
-              <a:t>RDS:</a:t>
-            </a:r>
-          </a:p>
-          <a:p>
-            <a:pPr marL="171450" indent="-171450">
-              <a:buFont typeface="Arial"/>
-              <a:buChar char="•"/>
-            </a:pPr>
-            <a:r>
-              <a:rPr lang="en-US" baseline="0" dirty="0" smtClean="0"/>
-              <a:t>EC2 Backed by EBS</a:t>
-            </a:r>
-          </a:p>
-          <a:p>
-            <a:pPr marL="171450" indent="-171450">
-              <a:buFont typeface="Arial"/>
-              <a:buChar char="•"/>
-            </a:pPr>
-            <a:r>
-              <a:rPr lang="en-US" baseline="0" dirty="0" smtClean="0"/>
-              <a:t>Not all </a:t>
-            </a:r>
-            <a:r>
-              <a:rPr lang="en-US" baseline="0" dirty="0" err="1" smtClean="0"/>
-              <a:t>tunables</a:t>
-            </a:r>
-            <a:r>
-              <a:rPr lang="en-US" baseline="0" dirty="0" smtClean="0"/>
-              <a:t> are exposed</a:t>
-            </a:r>
-          </a:p>
-          <a:p>
-            <a:pPr marL="171450" indent="-171450">
-              <a:buFont typeface="Arial"/>
-              <a:buChar char="•"/>
-            </a:pPr>
-            <a:r>
-              <a:rPr lang="en-US" baseline="0" dirty="0" smtClean="0"/>
-              <a:t>Multi-AZ has not been foolproof – for instance, the June 29, 2012 outage triggered failover events that failed to bring about database availability: http://</a:t>
-            </a:r>
-            <a:r>
-              <a:rPr lang="en-US" baseline="0" dirty="0" err="1" smtClean="0"/>
-              <a:t>aws.amazon.com</a:t>
-            </a:r>
-            <a:r>
-              <a:rPr lang="en-US" baseline="0" dirty="0" smtClean="0"/>
-              <a:t>/message/67457/. Bug since resolved.</a:t>
-            </a:r>
-          </a:p>
-          <a:p>
-            <a:pPr marL="0" indent="0">
-              <a:buFont typeface="Arial"/>
-              <a:buNone/>
-            </a:pPr>
-            <a:r>
-              <a:rPr lang="en-US" baseline="0" dirty="0" smtClean="0"/>
-              <a:t>EBS:</a:t>
-            </a:r>
-          </a:p>
-          <a:p>
-            <a:pPr marL="171450" indent="-171450">
-              <a:buFont typeface="Arial"/>
-              <a:buChar char="•"/>
-            </a:pPr>
-            <a:r>
-              <a:rPr lang="en-US" baseline="0" dirty="0" smtClean="0"/>
-              <a:t>No feature exists to replicate an EBS volume across availability zones in real-time, frequently resulting in single-AZ systems</a:t>
-            </a:r>
-          </a:p>
-          <a:p>
-            <a:pPr marL="0" indent="0">
-              <a:buFont typeface="Arial"/>
-              <a:buNone/>
-            </a:pPr>
-            <a:endParaRPr lang="en-US" baseline="0" dirty="0" smtClean="0"/>
-          </a:p>
-          <a:p>
-            <a:pPr marL="0" indent="0">
-              <a:buFont typeface="Arial"/>
-              <a:buNone/>
-            </a:pPr>
             <a:endParaRPr lang="en-US" baseline="0" dirty="0" smtClean="0"/>
           </a:p>
         </p:txBody>
@@ -1473,7 +1284,7 @@
           <a:p>
             <a:fld id="{BFB43062-714D-1146-A97F-0D45BD9E7BF0}" type="slidenum">
               <a:rPr lang="en-US" smtClean="0"/>
-              <a:t>20</a:t>
+              <a:t>19</a:t>
             </a:fld>
             <a:endParaRPr lang="en-US"/>
           </a:p>
@@ -1540,6 +1351,161 @@
               <a:buFont typeface="Arial"/>
               <a:buNone/>
             </a:pPr>
+            <a:r>
+              <a:rPr lang="en-US" baseline="0" dirty="0" smtClean="0"/>
+              <a:t>S3:</a:t>
+            </a:r>
+          </a:p>
+          <a:p>
+            <a:pPr marL="171450" indent="-171450">
+              <a:buFont typeface="Arial"/>
+              <a:buChar char="•"/>
+            </a:pPr>
+            <a:r>
+              <a:rPr lang="en-US" baseline="0" dirty="0" smtClean="0"/>
+              <a:t>One of the few AWS Services with an SLA</a:t>
+            </a:r>
+          </a:p>
+          <a:p>
+            <a:pPr marL="171450" indent="-171450">
+              <a:buFont typeface="Arial"/>
+              <a:buChar char="•"/>
+            </a:pPr>
+            <a:r>
+              <a:rPr lang="en-US" baseline="0" dirty="0" smtClean="0"/>
+              <a:t>Variable Performance</a:t>
+            </a:r>
+          </a:p>
+          <a:p>
+            <a:pPr marL="171450" indent="-171450">
+              <a:buFont typeface="Arial"/>
+              <a:buChar char="•"/>
+            </a:pPr>
+            <a:r>
+              <a:rPr lang="en-US" baseline="0" dirty="0" smtClean="0"/>
+              <a:t>Performance Optimizations are Available (http://</a:t>
+            </a:r>
+            <a:r>
+              <a:rPr lang="en-US" baseline="0" dirty="0" err="1" smtClean="0"/>
+              <a:t>docs.aws.amazon.com</a:t>
+            </a:r>
+            <a:r>
+              <a:rPr lang="en-US" baseline="0" dirty="0" smtClean="0"/>
+              <a:t>/AmazonS3/latest/</a:t>
+            </a:r>
+            <a:r>
+              <a:rPr lang="en-US" baseline="0" dirty="0" err="1" smtClean="0"/>
+              <a:t>dev</a:t>
+            </a:r>
+            <a:r>
+              <a:rPr lang="en-US" baseline="0" dirty="0" smtClean="0"/>
+              <a:t>/request-rate-</a:t>
+            </a:r>
+            <a:r>
+              <a:rPr lang="en-US" baseline="0" dirty="0" err="1" smtClean="0"/>
+              <a:t>perf</a:t>
+            </a:r>
+            <a:r>
+              <a:rPr lang="en-US" baseline="0" dirty="0" smtClean="0"/>
+              <a:t>-</a:t>
+            </a:r>
+            <a:r>
+              <a:rPr lang="en-US" baseline="0" dirty="0" err="1" smtClean="0"/>
+              <a:t>considerations.html</a:t>
+            </a:r>
+            <a:r>
+              <a:rPr lang="en-US" baseline="0" dirty="0" smtClean="0"/>
+              <a:t>)</a:t>
+            </a:r>
+          </a:p>
+          <a:p>
+            <a:pPr marL="0" indent="0">
+              <a:buFont typeface="Arial"/>
+              <a:buNone/>
+            </a:pPr>
+            <a:r>
+              <a:rPr lang="en-US" baseline="0" dirty="0" smtClean="0"/>
+              <a:t>RDS:</a:t>
+            </a:r>
+          </a:p>
+          <a:p>
+            <a:pPr marL="171450" indent="-171450">
+              <a:buFont typeface="Arial"/>
+              <a:buChar char="•"/>
+            </a:pPr>
+            <a:r>
+              <a:rPr lang="en-US" baseline="0" dirty="0" smtClean="0"/>
+              <a:t>EC2 Backed by EBS</a:t>
+            </a:r>
+          </a:p>
+          <a:p>
+            <a:pPr marL="171450" indent="-171450">
+              <a:buFont typeface="Arial"/>
+              <a:buChar char="•"/>
+            </a:pPr>
+            <a:r>
+              <a:rPr lang="en-US" baseline="0" dirty="0" smtClean="0"/>
+              <a:t>Not all </a:t>
+            </a:r>
+            <a:r>
+              <a:rPr lang="en-US" baseline="0" dirty="0" err="1" smtClean="0"/>
+              <a:t>tunables</a:t>
+            </a:r>
+            <a:r>
+              <a:rPr lang="en-US" baseline="0" dirty="0" smtClean="0"/>
+              <a:t> are exposed</a:t>
+            </a:r>
+          </a:p>
+          <a:p>
+            <a:pPr marL="171450" indent="-171450">
+              <a:buFont typeface="Arial"/>
+              <a:buChar char="•"/>
+            </a:pPr>
+            <a:r>
+              <a:rPr lang="en-US" baseline="0" dirty="0" smtClean="0"/>
+              <a:t>Multi-AZ has not been foolproof – for instance, the June 29, 2012 outage triggered failover events that failed to bring about database availability: http://</a:t>
+            </a:r>
+            <a:r>
+              <a:rPr lang="en-US" baseline="0" dirty="0" err="1" smtClean="0"/>
+              <a:t>aws.amazon.com</a:t>
+            </a:r>
+            <a:r>
+              <a:rPr lang="en-US" baseline="0" dirty="0" smtClean="0"/>
+              <a:t>/message/67457/. Bug since resolved.</a:t>
+            </a:r>
+          </a:p>
+          <a:p>
+            <a:pPr marL="0" indent="0">
+              <a:buFont typeface="Arial"/>
+              <a:buNone/>
+            </a:pPr>
+            <a:r>
+              <a:rPr lang="en-US" baseline="0" dirty="0" smtClean="0"/>
+              <a:t>EBS:</a:t>
+            </a:r>
+          </a:p>
+          <a:p>
+            <a:pPr marL="171450" indent="-171450">
+              <a:buFont typeface="Arial"/>
+              <a:buChar char="•"/>
+            </a:pPr>
+            <a:r>
+              <a:rPr lang="en-US" baseline="0" dirty="0" smtClean="0"/>
+              <a:t>No feature exists to replicate an EBS volume across availability zones in real-time, frequently resulting in single-AZ systems</a:t>
+            </a:r>
+          </a:p>
+          <a:p>
+            <a:pPr marL="0" indent="0">
+              <a:buFont typeface="Arial"/>
+              <a:buNone/>
+            </a:pPr>
+            <a:endParaRPr lang="en-US" baseline="0" dirty="0" smtClean="0"/>
+          </a:p>
+          <a:p>
+            <a:pPr marL="0" indent="0">
+              <a:buFont typeface="Arial"/>
+              <a:buNone/>
+            </a:pPr>
             <a:endParaRPr lang="en-US" baseline="0" dirty="0" smtClean="0"/>
           </a:p>
         </p:txBody>
@@ -1561,7 +1527,7 @@
           <a:p>
             <a:fld id="{BFB43062-714D-1146-A97F-0D45BD9E7BF0}" type="slidenum">
               <a:rPr lang="en-US" smtClean="0"/>
-              <a:t>21</a:t>
+              <a:t>20</a:t>
             </a:fld>
             <a:endParaRPr lang="en-US"/>
           </a:p>
@@ -1649,7 +1615,7 @@
           <a:p>
             <a:fld id="{BFB43062-714D-1146-A97F-0D45BD9E7BF0}" type="slidenum">
               <a:rPr lang="en-US" smtClean="0"/>
-              <a:t>22</a:t>
+              <a:t>21</a:t>
             </a:fld>
             <a:endParaRPr lang="en-US"/>
           </a:p>
@@ -1712,7 +1678,11 @@
           <a:bodyPr/>
           <a:lstStyle/>
           <a:p>
-            <a:endParaRPr lang="en-US" dirty="0"/>
+            <a:pPr marL="0" indent="0">
+              <a:buFont typeface="Arial"/>
+              <a:buNone/>
+            </a:pPr>
+            <a:endParaRPr lang="en-US" baseline="0" dirty="0" smtClean="0"/>
           </a:p>
         </p:txBody>
       </p:sp>
@@ -1733,7 +1703,7 @@
           <a:p>
             <a:fld id="{BFB43062-714D-1146-A97F-0D45BD9E7BF0}" type="slidenum">
               <a:rPr lang="en-US" smtClean="0"/>
-              <a:t>23</a:t>
+              <a:t>22</a:t>
             </a:fld>
             <a:endParaRPr lang="en-US"/>
           </a:p>
@@ -1742,7 +1712,7 @@
     </p:spTree>
     <p:extLst>
       <p:ext uri="{BB962C8B-B14F-4D97-AF65-F5344CB8AC3E}">
-        <p14:creationId xmlns:p14="http://schemas.microsoft.com/office/powerpoint/2010/main" val="4236847584"/>
+        <p14:creationId xmlns:p14="http://schemas.microsoft.com/office/powerpoint/2010/main" val="3463813937"/>
       </p:ext>
     </p:extLst>
   </p:cSld>
@@ -1801,17 +1771,35 @@
               <a:buChar char="•"/>
             </a:pPr>
             <a:r>
+              <a:rPr lang="en-US" dirty="0" smtClean="0"/>
+              <a:t>Cloud</a:t>
+            </a:r>
+            <a:r>
               <a:rPr lang="en-US" baseline="0" dirty="0" smtClean="0"/>
-              <a:t>6 Advantages and Benefits of Cloud Computing: http://</a:t>
+              <a:t> Computing definition, as taken the “The NIST Definition of Cloud Computing” “http://</a:t>
             </a:r>
             <a:r>
               <a:rPr lang="en-US" baseline="0" dirty="0" err="1" smtClean="0"/>
-              <a:t>aws.amazon.com</a:t>
+              <a:t>csrc.nist.gov</a:t>
             </a:r>
             <a:r>
               <a:rPr lang="en-US" baseline="0" dirty="0" smtClean="0"/>
-              <a:t>/what-is-cloud-computing/?nc2=h_l2_cc.</a:t>
-            </a:r>
+              <a:t>/publications/</a:t>
+            </a:r>
+            <a:r>
+              <a:rPr lang="en-US" baseline="0" dirty="0" err="1" smtClean="0"/>
+              <a:t>nistpubs</a:t>
+            </a:r>
+            <a:r>
+              <a:rPr lang="en-US" baseline="0" dirty="0" smtClean="0"/>
+              <a:t>/800-145/SP800-145.pdf</a:t>
+            </a:r>
+          </a:p>
+          <a:p>
+            <a:pPr marL="228600" indent="-228600">
+              <a:buFont typeface="Arial"/>
+              <a:buChar char="•"/>
+            </a:pPr>
             <a:endParaRPr lang="en-US" dirty="0"/>
           </a:p>
         </p:txBody>
@@ -1833,7 +1821,7 @@
           <a:p>
             <a:fld id="{BFB43062-714D-1146-A97F-0D45BD9E7BF0}" type="slidenum">
               <a:rPr lang="en-US" smtClean="0"/>
-              <a:t>5</a:t>
+              <a:t>4</a:t>
             </a:fld>
             <a:endParaRPr lang="en-US"/>
           </a:p>
@@ -1896,11 +1884,7 @@
           <a:bodyPr/>
           <a:lstStyle/>
           <a:p>
-            <a:pPr marL="0" indent="0">
-              <a:buFont typeface="Arial"/>
-              <a:buNone/>
-            </a:pPr>
-            <a:endParaRPr lang="en-US" baseline="0" dirty="0" smtClean="0"/>
+            <a:endParaRPr lang="en-US" dirty="0"/>
           </a:p>
         </p:txBody>
       </p:sp>
@@ -1921,6 +1905,94 @@
           <a:p>
             <a:fld id="{BFB43062-714D-1146-A97F-0D45BD9E7BF0}" type="slidenum">
               <a:rPr lang="en-US" smtClean="0"/>
+              <a:t>23</a:t>
+            </a:fld>
+            <a:endParaRPr lang="en-US"/>
+          </a:p>
+        </p:txBody>
+      </p:sp>
+    </p:spTree>
+    <p:extLst>
+      <p:ext uri="{BB962C8B-B14F-4D97-AF65-F5344CB8AC3E}">
+        <p14:creationId xmlns:p14="http://schemas.microsoft.com/office/powerpoint/2010/main" val="4236847584"/>
+      </p:ext>
+    </p:extLst>
+  </p:cSld>
+  <p:clrMapOvr>
+    <a:masterClrMapping/>
+  </p:clrMapOvr>
+</p:notes>
+</file>
+
+<file path=ppt/notesSlides/notesSlide21.xml><?xml version="1.0" encoding="utf-8"?>
+<p:notes xmlns:a="http://schemas.openxmlformats.org/drawingml/2006/main" xmlns:r="http://schemas.openxmlformats.org/officeDocument/2006/relationships" xmlns:p="http://schemas.openxmlformats.org/presentationml/2006/main">
+  <p:cSld>
+    <p:spTree>
+      <p:nvGrpSpPr>
+        <p:cNvPr id="1" name=""/>
+        <p:cNvGrpSpPr/>
+        <p:nvPr/>
+      </p:nvGrpSpPr>
+      <p:grpSpPr>
+        <a:xfrm>
+          <a:off x="0" y="0"/>
+          <a:ext cx="0" cy="0"/>
+          <a:chOff x="0" y="0"/>
+          <a:chExt cx="0" cy="0"/>
+        </a:xfrm>
+      </p:grpSpPr>
+      <p:sp>
+        <p:nvSpPr>
+          <p:cNvPr id="2" name="Slide Image Placeholder 1"/>
+          <p:cNvSpPr>
+            <a:spLocks noGrp="1" noRot="1" noChangeAspect="1"/>
+          </p:cNvSpPr>
+          <p:nvPr>
+            <p:ph type="sldImg"/>
+          </p:nvPr>
+        </p:nvSpPr>
+        <p:spPr/>
+      </p:sp>
+      <p:sp>
+        <p:nvSpPr>
+          <p:cNvPr id="3" name="Notes Placeholder 2"/>
+          <p:cNvSpPr>
+            <a:spLocks noGrp="1"/>
+          </p:cNvSpPr>
+          <p:nvPr>
+            <p:ph type="body" idx="1"/>
+          </p:nvPr>
+        </p:nvSpPr>
+        <p:spPr/>
+        <p:txBody>
+          <a:bodyPr/>
+          <a:lstStyle/>
+          <a:p>
+            <a:pPr marL="0" indent="0">
+              <a:buFont typeface="Arial"/>
+              <a:buNone/>
+            </a:pPr>
+            <a:endParaRPr lang="en-US" baseline="0" dirty="0" smtClean="0"/>
+          </a:p>
+        </p:txBody>
+      </p:sp>
+      <p:sp>
+        <p:nvSpPr>
+          <p:cNvPr id="4" name="Slide Number Placeholder 3"/>
+          <p:cNvSpPr>
+            <a:spLocks noGrp="1"/>
+          </p:cNvSpPr>
+          <p:nvPr>
+            <p:ph type="sldNum" sz="quarter" idx="10"/>
+          </p:nvPr>
+        </p:nvSpPr>
+        <p:spPr/>
+        <p:txBody>
+          <a:bodyPr/>
+          <a:lstStyle/>
+          <a:p>
+            <a:fld id="{BFB43062-714D-1146-A97F-0D45BD9E7BF0}" type="slidenum">
+              <a:rPr lang="en-US" smtClean="0"/>
               <a:t>24</a:t>
             </a:fld>
             <a:endParaRPr lang="en-US"/>
@@ -1940,7 +2012,7 @@
 </p:notes>
 </file>
 
-<file path=ppt/notesSlides/notesSlide21.xml><?xml version="1.0" encoding="utf-8"?>
+<file path=ppt/notesSlides/notesSlide22.xml><?xml version="1.0" encoding="utf-8"?>
 <p:notes xmlns:a="http://schemas.openxmlformats.org/drawingml/2006/main" xmlns:r="http://schemas.openxmlformats.org/officeDocument/2006/relationships" xmlns:p="http://schemas.openxmlformats.org/presentationml/2006/main">
   <p:cSld>
     <p:spTree>
@@ -2072,90 +2144,13 @@
           <a:bodyPr/>
           <a:lstStyle/>
           <a:p>
-            <a:pPr marL="0" indent="0">
-              <a:buFont typeface="Arial"/>
-              <a:buNone/>
-            </a:pPr>
-            <a:r>
-              <a:rPr lang="en-US" dirty="0" smtClean="0"/>
-              <a:t>AWS Challenges</a:t>
-            </a:r>
-            <a:r>
-              <a:rPr lang="en-US" baseline="0" dirty="0" smtClean="0"/>
-              <a:t> are based on my own experience working with AWS.</a:t>
-            </a:r>
-            <a:endParaRPr lang="en-US" dirty="0" smtClean="0"/>
-          </a:p>
-          <a:p>
-            <a:pPr marL="228600" lvl="0" indent="-228600">
+            <a:pPr marL="228600" indent="-228600">
               <a:buFont typeface="Arial"/>
               <a:buChar char="•"/>
             </a:pPr>
             <a:r>
-              <a:rPr lang="en-US" dirty="0" smtClean="0"/>
-              <a:t>Architectur</a:t>
-            </a:r>
-            <a:r>
               <a:rPr lang="en-US" baseline="0" dirty="0" smtClean="0"/>
-              <a:t>e, two challenges:</a:t>
-            </a:r>
-          </a:p>
-          <a:p>
-            <a:pPr marL="685800" lvl="1" indent="-228600">
-              <a:buFont typeface="Arial"/>
-              <a:buChar char="•"/>
-            </a:pPr>
-            <a:r>
-              <a:rPr lang="en-US" baseline="0" dirty="0" smtClean="0"/>
-              <a:t>challenge when working with AWS up through 2015 was when working with applications (Jenkins, Perforce) that stored data on file systems – this required EBS which is not multi-availability zone</a:t>
-            </a:r>
-          </a:p>
-          <a:p>
-            <a:pPr marL="228600" lvl="0" indent="-228600">
-              <a:buFont typeface="Arial"/>
-              <a:buChar char="•"/>
-            </a:pPr>
-            <a:r>
-              <a:rPr lang="en-US" baseline="0" dirty="0" smtClean="0"/>
-              <a:t>Cost:</a:t>
-            </a:r>
-          </a:p>
-          <a:p>
-            <a:pPr marL="685800" lvl="1" indent="-228600">
-              <a:buFont typeface="Arial"/>
-              <a:buChar char="•"/>
-            </a:pPr>
-            <a:r>
-              <a:rPr lang="en-US" baseline="0" dirty="0" smtClean="0"/>
-              <a:t>Determining what is and is not included when measuring costs comparing a physical versus public cloud infrastructure</a:t>
-            </a:r>
-          </a:p>
-          <a:p>
-            <a:pPr marL="685800" lvl="1" indent="-228600">
-              <a:buFont typeface="Arial"/>
-              <a:buChar char="•"/>
-            </a:pPr>
-            <a:r>
-              <a:rPr lang="en-US" baseline="0" dirty="0" smtClean="0"/>
-              <a:t>Cost optimization a continual process – optimizing beyond elasticity is challenging – Amazon’s model is “pay as you go” – if you keep going, you keep paying</a:t>
-            </a:r>
-          </a:p>
-          <a:p>
-            <a:pPr marL="228600" lvl="0" indent="-228600">
-              <a:buFont typeface="Arial"/>
-              <a:buChar char="•"/>
-            </a:pPr>
-            <a:r>
-              <a:rPr lang="en-US" baseline="0" dirty="0" smtClean="0"/>
-              <a:t>Configuration of Resources: certain </a:t>
-            </a:r>
-            <a:r>
-              <a:rPr lang="en-US" baseline="0" dirty="0" err="1" smtClean="0"/>
-              <a:t>tunables</a:t>
-            </a:r>
-            <a:r>
-              <a:rPr lang="en-US" baseline="0" dirty="0" smtClean="0"/>
-              <a:t> not exposed – for inability to modify ELB’s idle timeout (fixed in 2014) https://</a:t>
+              <a:t>6 Advantages and Benefits of Cloud Computing: http://</a:t>
             </a:r>
             <a:r>
               <a:rPr lang="en-US" baseline="0" dirty="0" err="1" smtClean="0"/>
@@ -2163,34 +2158,9 @@
             </a:r>
             <a:r>
               <a:rPr lang="en-US" baseline="0" dirty="0" smtClean="0"/>
-              <a:t>/blogs/</a:t>
-            </a:r>
-            <a:r>
-              <a:rPr lang="en-US" baseline="0" dirty="0" err="1" smtClean="0"/>
-              <a:t>aws</a:t>
-            </a:r>
-            <a:r>
-              <a:rPr lang="en-US" baseline="0" dirty="0" smtClean="0"/>
-              <a:t>/</a:t>
-            </a:r>
-            <a:r>
-              <a:rPr lang="en-US" baseline="0" dirty="0" err="1" smtClean="0"/>
-              <a:t>elb</a:t>
-            </a:r>
-            <a:r>
-              <a:rPr lang="en-US" baseline="0" dirty="0" smtClean="0"/>
-              <a:t>-idle-timeout-control/)</a:t>
-            </a:r>
-          </a:p>
-          <a:p>
-            <a:pPr marL="228600" lvl="0" indent="-228600">
-              <a:buFont typeface="Arial"/>
-              <a:buChar char="•"/>
-            </a:pPr>
-            <a:r>
-              <a:rPr lang="en-US" baseline="0" dirty="0" smtClean="0"/>
-              <a:t>Control of Infrastructure: the empowerment offered to developers may result in cowboy infrastructure</a:t>
-            </a:r>
+              <a:t>/what-is-cloud-computing/?nc2=h_l2_cc.</a:t>
+            </a:r>
+            <a:endParaRPr lang="en-US" dirty="0"/>
           </a:p>
         </p:txBody>
       </p:sp>
@@ -2211,7 +2181,7 @@
           <a:p>
             <a:fld id="{BFB43062-714D-1146-A97F-0D45BD9E7BF0}" type="slidenum">
               <a:rPr lang="en-US" smtClean="0"/>
-              <a:t>6</a:t>
+              <a:t>5</a:t>
             </a:fld>
             <a:endParaRPr lang="en-US"/>
           </a:p>
@@ -2274,22 +2244,9 @@
           <a:bodyPr/>
           <a:lstStyle/>
           <a:p>
-            <a:pPr marL="0" marR="0" lvl="0" indent="0" algn="l" defTabSz="457200" rtl="0" eaLnBrk="1" fontAlgn="auto" latinLnBrk="0" hangingPunct="1">
-              <a:lnSpc>
-                <a:spcPct val="100000"/>
-              </a:lnSpc>
-              <a:spcBef>
-                <a:spcPts val="0"/>
-              </a:spcBef>
-              <a:spcAft>
-                <a:spcPts val="0"/>
-              </a:spcAft>
-              <a:buClrTx/>
-              <a:buSzTx/>
+            <a:pPr marL="0" indent="0">
               <a:buFont typeface="Arial"/>
               <a:buNone/>
-              <a:tabLst/>
-              <a:defRPr/>
             </a:pPr>
             <a:r>
               <a:rPr lang="en-US" dirty="0" smtClean="0"/>
@@ -2299,6 +2256,7 @@
               <a:rPr lang="en-US" baseline="0" dirty="0" smtClean="0"/>
               <a:t> are based on my own experience working with AWS.</a:t>
             </a:r>
+            <a:endParaRPr lang="en-US" dirty="0" smtClean="0"/>
           </a:p>
           <a:p>
             <a:pPr marL="228600" lvl="0" indent="-228600">
@@ -2306,8 +2264,22 @@
               <a:buChar char="•"/>
             </a:pPr>
             <a:r>
+              <a:rPr lang="en-US" dirty="0" smtClean="0"/>
+              <a:t>Architectur</a:t>
+            </a:r>
+            <a:r>
               <a:rPr lang="en-US" baseline="0" dirty="0" smtClean="0"/>
-              <a:t>Familiarity: staff may not be familiar or on-board with Auto Scaling and the fact it obviates DNS</a:t>
+              <a:t>e, two challenges:</a:t>
+            </a:r>
+          </a:p>
+          <a:p>
+            <a:pPr marL="685800" lvl="1" indent="-228600">
+              <a:buFont typeface="Arial"/>
+              <a:buChar char="•"/>
+            </a:pPr>
+            <a:r>
+              <a:rPr lang="en-US" baseline="0" dirty="0" smtClean="0"/>
+              <a:t>challenge when working with AWS up through 2015 was when working with applications (Jenkins, Perforce) that stored data on file systems – this required EBS which is not multi-availability zone</a:t>
             </a:r>
           </a:p>
           <a:p>
@@ -2317,7 +2289,27 @@
             </a:pPr>
             <a:r>
               <a:rPr lang="en-US" baseline="0" dirty="0" smtClean="0"/>
-              <a:t>Lock-in: some resources are only available on AWS, requiring AWS specific code and making move to other technologies difficult</a:t>
+              <a:t>Cost:</a:t>
+            </a:r>
+          </a:p>
+          <a:p>
+            <a:pPr marL="685800" lvl="1" indent="-228600">
+              <a:buFont typeface="Arial"/>
+              <a:buChar char="•"/>
+            </a:pPr>
+            <a:r>
+              <a:rPr lang="en-US" baseline="0" dirty="0" smtClean="0"/>
+              <a:t>Determining what is and is not included when measuring costs comparing a physical versus public cloud infrastructure</a:t>
+            </a:r>
+          </a:p>
+          <a:p>
+            <a:pPr marL="685800" lvl="1" indent="-228600">
+              <a:buFont typeface="Arial"/>
+              <a:buChar char="•"/>
+            </a:pPr>
+            <a:r>
+              <a:rPr lang="en-US" baseline="0" dirty="0" smtClean="0"/>
+              <a:t>Cost optimization a continual process – optimizing beyond elasticity is challenging – Amazon’s model is “pay as you go” – if you keep going, you keep paying</a:t>
             </a:r>
           </a:p>
           <a:p>
@@ -2327,7 +2319,39 @@
             </a:pPr>
             <a:r>
               <a:rPr lang="en-US" baseline="0" dirty="0" smtClean="0"/>
-              <a:t>Performance: as an example, AWS “CPU Steal” on particular instances</a:t>
+              <a:t>Configuration of Resources: certain </a:t>
+            </a:r>
+            <a:r>
+              <a:rPr lang="en-US" baseline="0" dirty="0" err="1" smtClean="0"/>
+              <a:t>tunables</a:t>
+            </a:r>
+            <a:r>
+              <a:rPr lang="en-US" baseline="0" dirty="0" smtClean="0"/>
+              <a:t> not exposed – for inability to modify ELB’s idle timeout (fixed in 2014) https://</a:t>
+            </a:r>
+            <a:r>
+              <a:rPr lang="en-US" baseline="0" dirty="0" err="1" smtClean="0"/>
+              <a:t>aws.amazon.com</a:t>
+            </a:r>
+            <a:r>
+              <a:rPr lang="en-US" baseline="0" dirty="0" smtClean="0"/>
+              <a:t>/blogs/</a:t>
+            </a:r>
+            <a:r>
+              <a:rPr lang="en-US" baseline="0" dirty="0" err="1" smtClean="0"/>
+              <a:t>aws</a:t>
+            </a:r>
+            <a:r>
+              <a:rPr lang="en-US" baseline="0" dirty="0" smtClean="0"/>
+              <a:t>/</a:t>
+            </a:r>
+            <a:r>
+              <a:rPr lang="en-US" baseline="0" dirty="0" err="1" smtClean="0"/>
+              <a:t>elb</a:t>
+            </a:r>
+            <a:r>
+              <a:rPr lang="en-US" baseline="0" dirty="0" smtClean="0"/>
+              <a:t>-idle-timeout-control/)</a:t>
             </a:r>
           </a:p>
           <a:p>
@@ -2337,7 +2361,7 @@
             </a:pPr>
             <a:r>
               <a:rPr lang="en-US" baseline="0" dirty="0" smtClean="0"/>
-              <a:t>Security and Compliance. As an example, customers requiring a HIPAA BAA will need to work with AWS to ensure a HIPAA compliant environment and processes.</a:t>
+              <a:t>Control of Infrastructure: the empowerment offered to developers may result in cowboy infrastructure</a:t>
             </a:r>
           </a:p>
         </p:txBody>
@@ -2359,7 +2383,7 @@
           <a:p>
             <a:fld id="{BFB43062-714D-1146-A97F-0D45BD9E7BF0}" type="slidenum">
               <a:rPr lang="en-US" smtClean="0"/>
-              <a:t>7</a:t>
+              <a:t>6</a:t>
             </a:fld>
             <a:endParaRPr lang="en-US"/>
           </a:p>
@@ -2422,112 +2446,70 @@
           <a:bodyPr/>
           <a:lstStyle/>
           <a:p>
-            <a:pPr marL="0" indent="0">
+            <a:pPr marL="0" marR="0" lvl="0" indent="0" algn="l" defTabSz="457200" rtl="0" eaLnBrk="1" fontAlgn="auto" latinLnBrk="0" hangingPunct="1">
+              <a:lnSpc>
+                <a:spcPct val="100000"/>
+              </a:lnSpc>
+              <a:spcBef>
+                <a:spcPts val="0"/>
+              </a:spcBef>
+              <a:spcAft>
+                <a:spcPts val="0"/>
+              </a:spcAft>
+              <a:buClrTx/>
+              <a:buSzTx/>
               <a:buFont typeface="Arial"/>
               <a:buNone/>
+              <a:tabLst/>
+              <a:defRPr/>
             </a:pPr>
             <a:r>
+              <a:rPr lang="en-US" dirty="0" smtClean="0"/>
+              <a:t>AWS Challenges</a:t>
+            </a:r>
+            <a:r>
               <a:rPr lang="en-US" baseline="0" dirty="0" smtClean="0"/>
-              <a:t>Regions:</a:t>
-            </a:r>
-          </a:p>
-          <a:p>
-            <a:pPr marL="171450" indent="-171450">
+              <a:t> are based on my own experience working with AWS.</a:t>
+            </a:r>
+          </a:p>
+          <a:p>
+            <a:pPr marL="228600" lvl="0" indent="-228600">
               <a:buFont typeface="Arial"/>
               <a:buChar char="•"/>
             </a:pPr>
             <a:r>
               <a:rPr lang="en-US" baseline="0" dirty="0" smtClean="0"/>
-              <a:t>Costs: as of April 2015, difference between us-west-2 and sa-east-1</a:t>
-            </a:r>
-          </a:p>
-          <a:p>
-            <a:pPr marL="171450" indent="-171450">
+              <a:t>Familiarity: staff may not be familiar or on-board with Auto Scaling and the fact it obviates DNS</a:t>
+            </a:r>
+          </a:p>
+          <a:p>
+            <a:pPr marL="228600" lvl="0" indent="-228600">
               <a:buFont typeface="Arial"/>
               <a:buChar char="•"/>
             </a:pPr>
             <a:r>
               <a:rPr lang="en-US" baseline="0" dirty="0" smtClean="0"/>
-              <a:t>not all Services Available in All Regions: http://</a:t>
-            </a:r>
-            <a:r>
-              <a:rPr lang="en-US" baseline="0" dirty="0" err="1" smtClean="0"/>
-              <a:t>aws.amazon.com</a:t>
-            </a:r>
-            <a:r>
-              <a:rPr lang="en-US" baseline="0" dirty="0" smtClean="0"/>
-              <a:t>/about-</a:t>
-            </a:r>
-            <a:r>
-              <a:rPr lang="en-US" baseline="0" dirty="0" err="1" smtClean="0"/>
-              <a:t>aws</a:t>
-            </a:r>
-            <a:r>
-              <a:rPr lang="en-US" baseline="0" dirty="0" smtClean="0"/>
-              <a:t>/global-infrastructure/regional-product-services</a:t>
-            </a:r>
-          </a:p>
-          <a:p>
-            <a:pPr marL="0" indent="0">
-              <a:buFont typeface="Arial"/>
-              <a:buNone/>
-            </a:pPr>
-            <a:endParaRPr lang="en-US" baseline="0" dirty="0" smtClean="0"/>
-          </a:p>
-          <a:p>
-            <a:pPr marL="0" indent="0">
-              <a:buFont typeface="Arial"/>
-              <a:buNone/>
-            </a:pPr>
-            <a:r>
-              <a:rPr lang="en-US" baseline="0" dirty="0" smtClean="0"/>
-              <a:t>Availability Zones:</a:t>
-            </a:r>
-          </a:p>
-          <a:p>
-            <a:pPr marL="171450" indent="-171450">
+              <a:t>Lock-in: some resources are only available on AWS, requiring AWS specific code and making move to other technologies difficult</a:t>
+            </a:r>
+          </a:p>
+          <a:p>
+            <a:pPr marL="228600" lvl="0" indent="-228600">
               <a:buFont typeface="Arial"/>
               <a:buChar char="•"/>
             </a:pPr>
             <a:r>
               <a:rPr lang="en-US" baseline="0" dirty="0" smtClean="0"/>
-              <a:t>Availability Zones aid in meeting availability requirements:</a:t>
-            </a:r>
-          </a:p>
-          <a:p>
-            <a:pPr marL="628650" lvl="1" indent="-171450">
+              <a:t>Performance: as an example, AWS “CPU Steal” on particular instances</a:t>
+            </a:r>
+          </a:p>
+          <a:p>
+            <a:pPr marL="228600" lvl="0" indent="-228600">
               <a:buFont typeface="Arial"/>
               <a:buChar char="•"/>
             </a:pPr>
             <a:r>
               <a:rPr lang="en-US" baseline="0" dirty="0" smtClean="0"/>
-              <a:t>A majority of AWS failures occur only in one AZ</a:t>
-            </a:r>
-          </a:p>
-          <a:p>
-            <a:pPr marL="628650" lvl="1" indent="-171450">
-              <a:buFont typeface="Arial"/>
-              <a:buChar char="•"/>
-            </a:pPr>
-            <a:r>
-              <a:rPr lang="en-US" baseline="0" dirty="0" smtClean="0"/>
-              <a:t>Availability Zones are Isolated from one another (http://</a:t>
-            </a:r>
-            <a:r>
-              <a:rPr lang="en-US" baseline="0" dirty="0" err="1" smtClean="0"/>
-              <a:t>aws.amazon.com</a:t>
-            </a:r>
-            <a:r>
-              <a:rPr lang="en-US" baseline="0" dirty="0" smtClean="0"/>
-              <a:t>/ec2/</a:t>
-            </a:r>
-            <a:r>
-              <a:rPr lang="en-US" baseline="0" dirty="0" err="1" smtClean="0"/>
-              <a:t>faqs</a:t>
-            </a:r>
-            <a:r>
-              <a:rPr lang="en-US" baseline="0" dirty="0" smtClean="0"/>
-              <a:t>/ - How isolated are Availability Zones from one another?)</a:t>
+              <a:t>Security and Compliance. As an example, customers requiring a HIPAA BAA will need to work with AWS to ensure a HIPAA compliant environment and processes.</a:t>
             </a:r>
           </a:p>
         </p:txBody>
@@ -2549,7 +2531,7 @@
           <a:p>
             <a:fld id="{BFB43062-714D-1146-A97F-0D45BD9E7BF0}" type="slidenum">
               <a:rPr lang="en-US" smtClean="0"/>
-              <a:t>8</a:t>
+              <a:t>7</a:t>
             </a:fld>
             <a:endParaRPr lang="en-US"/>
           </a:p>
@@ -2628,31 +2610,96 @@
             </a:pPr>
             <a:r>
               <a:rPr lang="en-US" baseline="0" dirty="0" smtClean="0"/>
-              <a:t>Not all large or well-known AWS customers are multi-region: </a:t>
+              <a:t>Costs: as of April 2015, difference between us-west-2 and sa-east-1</a:t>
+            </a:r>
+          </a:p>
+          <a:p>
+            <a:pPr marL="171450" indent="-171450">
+              <a:buFont typeface="Arial"/>
+              <a:buChar char="•"/>
+            </a:pPr>
+            <a:r>
+              <a:rPr lang="en-US" baseline="0" dirty="0" smtClean="0"/>
+              <a:t>not all Services Available in All Regions: http://</a:t>
             </a:r>
             <a:r>
               <a:rPr lang="en-US" baseline="0" dirty="0" err="1" smtClean="0"/>
-              <a:t>NetFlix</a:t>
+              <a:t>aws.amazon.com</a:t>
             </a:r>
             <a:r>
               <a:rPr lang="en-US" baseline="0" dirty="0" smtClean="0"/>
-              <a:t> was not in 2011 (https://</a:t>
+              <a:t>/about-</a:t>
             </a:r>
             <a:r>
               <a:rPr lang="en-US" baseline="0" dirty="0" err="1" smtClean="0"/>
-              <a:t>twitter.com</a:t>
+              <a:t>aws</a:t>
             </a:r>
             <a:r>
               <a:rPr lang="en-US" baseline="0" dirty="0" smtClean="0"/>
-              <a:t>/</a:t>
+              <a:t>/global-infrastructure/regional-product-services</a:t>
+            </a:r>
+          </a:p>
+          <a:p>
+            <a:pPr marL="0" indent="0">
+              <a:buFont typeface="Arial"/>
+              <a:buNone/>
+            </a:pPr>
+            <a:endParaRPr lang="en-US" baseline="0" dirty="0" smtClean="0"/>
+          </a:p>
+          <a:p>
+            <a:pPr marL="0" indent="0">
+              <a:buFont typeface="Arial"/>
+              <a:buNone/>
+            </a:pPr>
+            <a:r>
+              <a:rPr lang="en-US" baseline="0" dirty="0" smtClean="0"/>
+              <a:t>Availability Zones:</a:t>
+            </a:r>
+          </a:p>
+          <a:p>
+            <a:pPr marL="171450" indent="-171450">
+              <a:buFont typeface="Arial"/>
+              <a:buChar char="•"/>
+            </a:pPr>
+            <a:r>
+              <a:rPr lang="en-US" baseline="0" dirty="0" smtClean="0"/>
+              <a:t>Availability Zones aid in meeting availability requirements:</a:t>
+            </a:r>
+          </a:p>
+          <a:p>
+            <a:pPr marL="628650" lvl="1" indent="-171450">
+              <a:buFont typeface="Arial"/>
+              <a:buChar char="•"/>
+            </a:pPr>
+            <a:r>
+              <a:rPr lang="en-US" baseline="0" dirty="0" smtClean="0"/>
+              <a:t>A majority of AWS failures occur only in one AZ</a:t>
+            </a:r>
+          </a:p>
+          <a:p>
+            <a:pPr marL="628650" lvl="1" indent="-171450">
+              <a:buFont typeface="Arial"/>
+              <a:buChar char="•"/>
+            </a:pPr>
+            <a:r>
+              <a:rPr lang="en-US" baseline="0" dirty="0" smtClean="0"/>
+              <a:t>Availability Zones are Isolated from one another (http://</a:t>
             </a:r>
             <a:r>
               <a:rPr lang="en-US" baseline="0" dirty="0" err="1" smtClean="0"/>
-              <a:t>adrianco</a:t>
+              <a:t>aws.amazon.com</a:t>
             </a:r>
             <a:r>
               <a:rPr lang="en-US" baseline="0" dirty="0" smtClean="0"/>
-              <a:t>/status/61459359229681666)</a:t>
+              <a:t>/ec2/</a:t>
+            </a:r>
+            <a:r>
+              <a:rPr lang="en-US" baseline="0" dirty="0" err="1" smtClean="0"/>
+              <a:t>faqs</a:t>
+            </a:r>
+            <a:r>
+              <a:rPr lang="en-US" baseline="0" dirty="0" smtClean="0"/>
+              <a:t>/ - How isolated are Availability Zones from one another?)</a:t>
             </a:r>
           </a:p>
         </p:txBody>
@@ -2674,7 +2721,7 @@
           <a:p>
             <a:fld id="{BFB43062-714D-1146-A97F-0D45BD9E7BF0}" type="slidenum">
               <a:rPr lang="en-US" smtClean="0"/>
-              <a:t>10</a:t>
+              <a:t>8</a:t>
             </a:fld>
             <a:endParaRPr lang="en-US"/>
           </a:p>
@@ -2737,13 +2784,13 @@
           <a:bodyPr/>
           <a:lstStyle/>
           <a:p>
-            <a:r>
-              <a:rPr lang="en-US" dirty="0" smtClean="0"/>
-              <a:t>Slide is a representation</a:t>
-            </a:r>
+            <a:pPr marL="0" indent="0">
+              <a:buFont typeface="Arial"/>
+              <a:buNone/>
+            </a:pPr>
             <a:r>
               <a:rPr lang="en-US" baseline="0" dirty="0" smtClean="0"/>
-              <a:t> of a highly available, multi-AZ architecture.</a:t>
+              <a:t>Regions:</a:t>
             </a:r>
           </a:p>
           <a:p>
@@ -2753,27 +2800,31 @@
             </a:pPr>
             <a:r>
               <a:rPr lang="en-US" baseline="0" dirty="0" smtClean="0"/>
-              <a:t>The Load Balancer is run in both the us-west-2a and us-west-2b Availability Zones</a:t>
-            </a:r>
-          </a:p>
-          <a:p>
-            <a:pPr marL="171450" indent="-171450">
-              <a:buFont typeface="Arial"/>
-              <a:buChar char="•"/>
-            </a:pPr>
+              <a:t>Not all large or well-known AWS customers are multi-region: </a:t>
+            </a:r>
+            <a:r>
+              <a:rPr lang="en-US" baseline="0" dirty="0" err="1" smtClean="0"/>
+              <a:t>NetFlix</a:t>
+            </a:r>
             <a:r>
               <a:rPr lang="en-US" baseline="0" dirty="0" smtClean="0"/>
-              <a:t>The Auto Scaling Group is also run in both the us-west-2a and us-west-2b Availability Zones.</a:t>
-            </a:r>
-          </a:p>
-          <a:p>
-            <a:pPr marL="171450" indent="-171450">
-              <a:buFont typeface="Arial"/>
-              <a:buChar char="•"/>
-            </a:pPr>
+              <a:t> was not in 2011 (https://</a:t>
+            </a:r>
+            <a:r>
+              <a:rPr lang="en-US" baseline="0" dirty="0" err="1" smtClean="0"/>
+              <a:t>twitter.com</a:t>
+            </a:r>
             <a:r>
               <a:rPr lang="en-US" baseline="0" dirty="0" smtClean="0"/>
-              <a:t>The Multi-AZ RDS Database runs in both us-west-2a and us-west-2b</a:t>
+              <a:t>/</a:t>
+            </a:r>
+            <a:r>
+              <a:rPr lang="en-US" baseline="0" dirty="0" err="1" smtClean="0"/>
+              <a:t>adrianco</a:t>
+            </a:r>
+            <a:r>
+              <a:rPr lang="en-US" baseline="0" dirty="0" smtClean="0"/>
+              <a:t>/status/61459359229681666)</a:t>
             </a:r>
           </a:p>
         </p:txBody>
@@ -2795,7 +2846,7 @@
           <a:p>
             <a:fld id="{BFB43062-714D-1146-A97F-0D45BD9E7BF0}" type="slidenum">
               <a:rPr lang="en-US" smtClean="0"/>
-              <a:t>11</a:t>
+              <a:t>10</a:t>
             </a:fld>
             <a:endParaRPr lang="en-US"/>
           </a:p>
@@ -2804,7 +2855,7 @@
     </p:spTree>
     <p:extLst>
       <p:ext uri="{BB962C8B-B14F-4D97-AF65-F5344CB8AC3E}">
-        <p14:creationId xmlns:p14="http://schemas.microsoft.com/office/powerpoint/2010/main" val="4236847584"/>
+        <p14:creationId xmlns:p14="http://schemas.microsoft.com/office/powerpoint/2010/main" val="3463813937"/>
       </p:ext>
     </p:extLst>
   </p:cSld>
@@ -2864,7 +2915,7 @@
             </a:r>
             <a:r>
               <a:rPr lang="en-US" baseline="0" dirty="0" smtClean="0"/>
-              <a:t> of the result of a us-west-2a Failure:</a:t>
+              <a:t> of a highly available, multi-AZ architecture.</a:t>
             </a:r>
           </a:p>
           <a:p>
@@ -2874,15 +2925,7 @@
             </a:pPr>
             <a:r>
               <a:rPr lang="en-US" baseline="0" dirty="0" smtClean="0"/>
-              <a:t>The ELB will most likely stop making the IP address(</a:t>
-            </a:r>
-            <a:r>
-              <a:rPr lang="en-US" baseline="0" dirty="0" err="1" smtClean="0"/>
-              <a:t>es</a:t>
-            </a:r>
-            <a:r>
-              <a:rPr lang="en-US" baseline="0" dirty="0" smtClean="0"/>
-              <a:t>) of the instances in the us-east-2a availability zone available, at which point clients will begin sending to alternative IP addresses (there are exceptions)</a:t>
+              <a:t>The Load Balancer is run in both the us-west-2a and us-west-2b Availability Zones</a:t>
             </a:r>
           </a:p>
           <a:p>
@@ -2892,7 +2935,7 @@
             </a:pPr>
             <a:r>
               <a:rPr lang="en-US" baseline="0" dirty="0" smtClean="0"/>
-              <a:t>The Auto Scaling Group will notice that the capacity of the Auto Scaling Group has dropped from 2 EC2 instances to 1 EC2 instance, and will respond by increasing the number of instances in the us-east-2b availability zone.</a:t>
+              <a:t>The Auto Scaling Group is also run in both the us-west-2a and us-west-2b Availability Zones.</a:t>
             </a:r>
           </a:p>
           <a:p>
@@ -2902,22 +2945,8 @@
             </a:pPr>
             <a:r>
               <a:rPr lang="en-US" baseline="0" dirty="0" smtClean="0"/>
-              <a:t>The RDS instance will failover to the standby node in the us-west-2b availability zone.</a:t>
-            </a:r>
-          </a:p>
-          <a:p>
-            <a:pPr marL="171450" indent="-171450">
-              <a:buFont typeface="Arial"/>
-              <a:buChar char="•"/>
-            </a:pPr>
-            <a:endParaRPr lang="en-US" baseline="0" dirty="0" smtClean="0"/>
-          </a:p>
-          <a:p>
-            <a:pPr marL="171450" indent="-171450">
-              <a:buFont typeface="Arial"/>
-              <a:buChar char="•"/>
-            </a:pPr>
-            <a:endParaRPr lang="en-US" baseline="0" dirty="0"/>
+              <a:t>The Multi-AZ RDS Database runs in both us-west-2a and us-west-2b</a:t>
+            </a:r>
           </a:p>
         </p:txBody>
       </p:sp>
@@ -2938,7 +2967,7 @@
           <a:p>
             <a:fld id="{BFB43062-714D-1146-A97F-0D45BD9E7BF0}" type="slidenum">
               <a:rPr lang="en-US" smtClean="0"/>
-              <a:t>12</a:t>
+              <a:t>11</a:t>
             </a:fld>
             <a:endParaRPr lang="en-US"/>
           </a:p>
@@ -3001,11 +3030,66 @@
           <a:bodyPr/>
           <a:lstStyle/>
           <a:p>
-            <a:pPr marL="0" indent="0">
+            <a:r>
+              <a:rPr lang="en-US" dirty="0" smtClean="0"/>
+              <a:t>Slide is a representation</a:t>
+            </a:r>
+            <a:r>
+              <a:rPr lang="en-US" baseline="0" dirty="0" smtClean="0"/>
+              <a:t> of the result of a us-west-2a Failure:</a:t>
+            </a:r>
+          </a:p>
+          <a:p>
+            <a:pPr marL="171450" indent="-171450">
               <a:buFont typeface="Arial"/>
-              <a:buNone/>
+              <a:buChar char="•"/>
+            </a:pPr>
+            <a:r>
+              <a:rPr lang="en-US" baseline="0" dirty="0" smtClean="0"/>
+              <a:t>The ELB will most likely stop making the IP address(</a:t>
+            </a:r>
+            <a:r>
+              <a:rPr lang="en-US" baseline="0" dirty="0" err="1" smtClean="0"/>
+              <a:t>es</a:t>
+            </a:r>
+            <a:r>
+              <a:rPr lang="en-US" baseline="0" dirty="0" smtClean="0"/>
+              <a:t>) of the instances in the us-east-2a availability zone available, at which point clients will begin sending to alternative IP addresses (there are exceptions)</a:t>
+            </a:r>
+          </a:p>
+          <a:p>
+            <a:pPr marL="171450" indent="-171450">
+              <a:buFont typeface="Arial"/>
+              <a:buChar char="•"/>
+            </a:pPr>
+            <a:r>
+              <a:rPr lang="en-US" baseline="0" dirty="0" smtClean="0"/>
+              <a:t>The Auto Scaling Group will notice that the capacity of the Auto Scaling Group has dropped from 2 EC2 instances to 1 EC2 instance, and will respond by increasing the number of instances in the us-east-2b availability zone.</a:t>
+            </a:r>
+          </a:p>
+          <a:p>
+            <a:pPr marL="171450" indent="-171450">
+              <a:buFont typeface="Arial"/>
+              <a:buChar char="•"/>
+            </a:pPr>
+            <a:r>
+              <a:rPr lang="en-US" baseline="0" dirty="0" smtClean="0"/>
+              <a:t>The RDS instance will failover to the standby node in the us-west-2b availability zone.</a:t>
+            </a:r>
+          </a:p>
+          <a:p>
+            <a:pPr marL="171450" indent="-171450">
+              <a:buFont typeface="Arial"/>
+              <a:buChar char="•"/>
             </a:pPr>
             <a:endParaRPr lang="en-US" baseline="0" dirty="0" smtClean="0"/>
+          </a:p>
+          <a:p>
+            <a:pPr marL="171450" indent="-171450">
+              <a:buFont typeface="Arial"/>
+              <a:buChar char="•"/>
+            </a:pPr>
+            <a:endParaRPr lang="en-US" baseline="0" dirty="0"/>
           </a:p>
         </p:txBody>
       </p:sp>
@@ -3026,7 +3110,7 @@
           <a:p>
             <a:fld id="{BFB43062-714D-1146-A97F-0D45BD9E7BF0}" type="slidenum">
               <a:rPr lang="en-US" smtClean="0"/>
-              <a:t>13</a:t>
+              <a:t>12</a:t>
             </a:fld>
             <a:endParaRPr lang="en-US"/>
           </a:p>
@@ -3035,7 +3119,7 @@
     </p:spTree>
     <p:extLst>
       <p:ext uri="{BB962C8B-B14F-4D97-AF65-F5344CB8AC3E}">
-        <p14:creationId xmlns:p14="http://schemas.microsoft.com/office/powerpoint/2010/main" val="3463813937"/>
+        <p14:creationId xmlns:p14="http://schemas.microsoft.com/office/powerpoint/2010/main" val="4236847584"/>
       </p:ext>
     </p:extLst>
   </p:cSld>
@@ -17602,39 +17686,6 @@
           </a:p>
         </p:txBody>
       </p:sp>
-      <p:sp>
-        <p:nvSpPr>
-          <p:cNvPr id="3" name="Subtitle 2"/>
-          <p:cNvSpPr>
-            <a:spLocks noGrp="1"/>
-          </p:cNvSpPr>
-          <p:nvPr>
-            <p:ph type="subTitle" idx="1"/>
-          </p:nvPr>
-        </p:nvSpPr>
-        <p:spPr/>
-        <p:txBody>
-          <a:bodyPr>
-            <a:normAutofit/>
-          </a:bodyPr>
-          <a:lstStyle/>
-          <a:p>
-            <a:r>
-              <a:rPr lang="en-US" dirty="0" smtClean="0"/>
-              <a:t>Created By </a:t>
-            </a:r>
-            <a:r>
-              <a:rPr lang="en-US" smtClean="0"/>
-              <a:t>Colin </a:t>
-            </a:r>
-            <a:r>
-              <a:rPr lang="en-US" smtClean="0"/>
-              <a:t>Johnson</a:t>
-            </a:r>
-            <a:endParaRPr lang="en-US" dirty="0" smtClean="0"/>
-          </a:p>
-        </p:txBody>
-      </p:sp>
     </p:spTree>
     <p:extLst>
       <p:ext uri="{BB962C8B-B14F-4D97-AF65-F5344CB8AC3E}">
@@ -20599,12 +20650,13 @@
             <a:pPr lvl="1"/>
             <a:r>
               <a:rPr lang="en-US" dirty="0"/>
-              <a:t>Pay as you </a:t>
+              <a:t>Pay </a:t>
             </a:r>
             <a:r>
               <a:rPr lang="en-US" dirty="0" smtClean="0"/>
-              <a:t>Go</a:t>
-            </a:r>
+              <a:t>for Usage</a:t>
+            </a:r>
+            <a:endParaRPr lang="en-US" dirty="0" smtClean="0"/>
           </a:p>
         </p:txBody>
       </p:sp>

--- a/aws-introduction/aws-introduction.pptx
+++ b/aws-introduction/aws-introduction.pptx
@@ -131,6 +131,22 @@
       </a:defRPr>
     </a:lvl9pPr>
   </p:defaultTextStyle>
+  <p:extLst>
+    <p:ext uri="{EFAFB233-063F-42B5-8137-9DF3F51BA10A}">
+      <p15:sldGuideLst xmlns:p15="http://schemas.microsoft.com/office/powerpoint/2012/main">
+        <p15:guide id="1" orient="horz" pos="2160">
+          <p15:clr>
+            <a:srgbClr val="A4A3A4"/>
+          </p15:clr>
+        </p15:guide>
+        <p15:guide id="2" pos="2880">
+          <p15:clr>
+            <a:srgbClr val="A4A3A4"/>
+          </p15:clr>
+        </p15:guide>
+      </p15:sldGuideLst>
+    </p:ext>
+  </p:extLst>
 </p:presentation>
 </file>
 
@@ -222,7 +238,7 @@
           <a:p>
             <a:fld id="{1B6676A5-1300-B945-98B1-DD92DDC3A3CB}" type="datetimeFigureOut">
               <a:rPr lang="en-US" smtClean="0"/>
-              <a:t>4/20/15</a:t>
+              <a:t>11/22/15</a:t>
             </a:fld>
             <a:endParaRPr lang="en-US"/>
           </a:p>
@@ -4941,7 +4957,7 @@
           <a:p>
             <a:fld id="{7CE38E4D-051A-41E1-86A4-E56916468FD0}" type="datetimeFigureOut">
               <a:rPr lang="en-US" smtClean="0"/>
-              <a:t>4/20/15</a:t>
+              <a:t>11/22/15</a:t>
             </a:fld>
             <a:endParaRPr lang="en-US"/>
           </a:p>
@@ -5146,7 +5162,7 @@
           <a:p>
             <a:fld id="{7CE38E4D-051A-41E1-86A4-E56916468FD0}" type="datetimeFigureOut">
               <a:rPr lang="en-US" smtClean="0"/>
-              <a:t>4/20/15</a:t>
+              <a:t>11/22/15</a:t>
             </a:fld>
             <a:endParaRPr lang="en-US"/>
           </a:p>
@@ -5297,7 +5313,7 @@
           <a:p>
             <a:fld id="{7CE38E4D-051A-41E1-86A4-E56916468FD0}" type="datetimeFigureOut">
               <a:rPr lang="en-US" smtClean="0"/>
-              <a:t>4/20/15</a:t>
+              <a:t>11/22/15</a:t>
             </a:fld>
             <a:endParaRPr lang="en-US"/>
           </a:p>
@@ -7123,7 +7139,7 @@
           <a:p>
             <a:fld id="{7CE38E4D-051A-41E1-86A4-E56916468FD0}" type="datetimeFigureOut">
               <a:rPr lang="en-US" smtClean="0"/>
-              <a:t>4/20/15</a:t>
+              <a:t>11/22/15</a:t>
             </a:fld>
             <a:endParaRPr lang="en-US"/>
           </a:p>
@@ -8993,7 +9009,7 @@
           <a:p>
             <a:fld id="{7CE38E4D-051A-41E1-86A4-E56916468FD0}" type="datetimeFigureOut">
               <a:rPr lang="en-US" smtClean="0"/>
-              <a:t>4/20/15</a:t>
+              <a:t>11/22/15</a:t>
             </a:fld>
             <a:endParaRPr lang="en-US"/>
           </a:p>
@@ -9106,7 +9122,7 @@
           <a:p>
             <a:fld id="{7CE38E4D-051A-41E1-86A4-E56916468FD0}" type="datetimeFigureOut">
               <a:rPr lang="en-US" smtClean="0"/>
-              <a:t>4/20/15</a:t>
+              <a:t>11/22/15</a:t>
             </a:fld>
             <a:endParaRPr lang="en-US"/>
           </a:p>
@@ -9647,7 +9663,7 @@
           <a:p>
             <a:fld id="{7CE38E4D-051A-41E1-86A4-E56916468FD0}" type="datetimeFigureOut">
               <a:rPr lang="en-US" smtClean="0"/>
-              <a:t>4/20/15</a:t>
+              <a:t>11/22/15</a:t>
             </a:fld>
             <a:endParaRPr lang="en-US"/>
           </a:p>
@@ -9760,7 +9776,7 @@
           <a:p>
             <a:fld id="{7CE38E4D-051A-41E1-86A4-E56916468FD0}" type="datetimeFigureOut">
               <a:rPr lang="en-US" smtClean="0"/>
-              <a:t>4/20/15</a:t>
+              <a:t>11/22/15</a:t>
             </a:fld>
             <a:endParaRPr lang="en-US"/>
           </a:p>
@@ -11471,7 +11487,7 @@
           <a:p>
             <a:fld id="{7CE38E4D-051A-41E1-86A4-E56916468FD0}" type="datetimeFigureOut">
               <a:rPr lang="en-US" smtClean="0"/>
-              <a:t>4/20/15</a:t>
+              <a:t>11/22/15</a:t>
             </a:fld>
             <a:endParaRPr lang="en-US"/>
           </a:p>
@@ -11622,7 +11638,7 @@
           <a:p>
             <a:fld id="{7CE38E4D-051A-41E1-86A4-E56916468FD0}" type="datetimeFigureOut">
               <a:rPr lang="en-US" smtClean="0"/>
-              <a:t>4/20/15</a:t>
+              <a:t>11/22/15</a:t>
             </a:fld>
             <a:endParaRPr lang="en-US"/>
           </a:p>
@@ -15238,7 +15254,7 @@
           <a:p>
             <a:fld id="{7CE38E4D-051A-41E1-86A4-E56916468FD0}" type="datetimeFigureOut">
               <a:rPr lang="en-US" smtClean="0"/>
-              <a:t>4/20/15</a:t>
+              <a:t>11/22/15</a:t>
             </a:fld>
             <a:endParaRPr lang="en-US"/>
           </a:p>
@@ -17097,7 +17113,7 @@
           <a:p>
             <a:fld id="{7CE38E4D-051A-41E1-86A4-E56916468FD0}" type="datetimeFigureOut">
               <a:rPr lang="en-US" smtClean="0"/>
-              <a:t>4/20/15</a:t>
+              <a:t>11/22/15</a:t>
             </a:fld>
             <a:endParaRPr lang="en-US"/>
           </a:p>
@@ -17707,7 +17723,7 @@
   <p:timing>
     <p:tnLst>
       <p:par>
-        <p:cTn xmlns:p14="http://schemas.microsoft.com/office/powerpoint/2010/main" id="1" dur="indefinite" restart="never" nodeType="tmRoot"/>
+        <p:cTn id="1" dur="indefinite" restart="never" nodeType="tmRoot"/>
       </p:par>
     </p:tnLst>
   </p:timing>
@@ -17898,7 +17914,7 @@
   <p:timing>
     <p:tnLst>
       <p:par>
-        <p:cTn xmlns:p14="http://schemas.microsoft.com/office/powerpoint/2010/main" id="1" dur="indefinite" restart="never" nodeType="tmRoot"/>
+        <p:cTn id="1" dur="indefinite" restart="never" nodeType="tmRoot"/>
       </p:par>
     </p:tnLst>
   </p:timing>
@@ -17992,7 +18008,7 @@
   <p:timing>
     <p:tnLst>
       <p:par>
-        <p:cTn xmlns:p14="http://schemas.microsoft.com/office/powerpoint/2010/main" id="1" dur="indefinite" restart="never" nodeType="tmRoot"/>
+        <p:cTn id="1" dur="indefinite" restart="never" nodeType="tmRoot"/>
       </p:par>
     </p:tnLst>
   </p:timing>
@@ -18093,7 +18109,7 @@
   <p:timing>
     <p:tnLst>
       <p:par>
-        <p:cTn xmlns:p14="http://schemas.microsoft.com/office/powerpoint/2010/main" id="1" dur="indefinite" restart="never" nodeType="tmRoot"/>
+        <p:cTn id="1" dur="indefinite" restart="never" nodeType="tmRoot"/>
       </p:par>
     </p:tnLst>
   </p:timing>
@@ -18237,7 +18253,7 @@
   <p:timing>
     <p:tnLst>
       <p:par>
-        <p:cTn xmlns:p14="http://schemas.microsoft.com/office/powerpoint/2010/main" id="1" dur="indefinite" restart="never" nodeType="tmRoot"/>
+        <p:cTn id="1" dur="indefinite" restart="never" nodeType="tmRoot"/>
       </p:par>
     </p:tnLst>
   </p:timing>
@@ -18394,7 +18410,7 @@
   <p:timing>
     <p:tnLst>
       <p:par>
-        <p:cTn xmlns:p14="http://schemas.microsoft.com/office/powerpoint/2010/main" id="1" dur="indefinite" restart="never" nodeType="tmRoot"/>
+        <p:cTn id="1" dur="indefinite" restart="never" nodeType="tmRoot"/>
       </p:par>
     </p:tnLst>
   </p:timing>
@@ -18648,7 +18664,7 @@
   <p:timing>
     <p:tnLst>
       <p:par>
-        <p:cTn xmlns:p14="http://schemas.microsoft.com/office/powerpoint/2010/main" id="1" dur="indefinite" restart="never" nodeType="tmRoot"/>
+        <p:cTn id="1" dur="indefinite" restart="never" nodeType="tmRoot"/>
       </p:par>
     </p:tnLst>
   </p:timing>
@@ -18896,7 +18912,7 @@
   <p:timing>
     <p:tnLst>
       <p:par>
-        <p:cTn xmlns:p14="http://schemas.microsoft.com/office/powerpoint/2010/main" id="1" dur="indefinite" restart="never" nodeType="tmRoot"/>
+        <p:cTn id="1" dur="indefinite" restart="never" nodeType="tmRoot"/>
       </p:par>
     </p:tnLst>
   </p:timing>
@@ -19003,7 +19019,7 @@
   <p:timing>
     <p:tnLst>
       <p:par>
-        <p:cTn xmlns:p14="http://schemas.microsoft.com/office/powerpoint/2010/main" id="1" dur="indefinite" restart="never" nodeType="tmRoot"/>
+        <p:cTn id="1" dur="indefinite" restart="never" nodeType="tmRoot"/>
       </p:par>
     </p:tnLst>
   </p:timing>
@@ -19258,7 +19274,7 @@
   <p:timing>
     <p:tnLst>
       <p:par>
-        <p:cTn xmlns:p14="http://schemas.microsoft.com/office/powerpoint/2010/main" id="1" dur="indefinite" restart="never" nodeType="tmRoot"/>
+        <p:cTn id="1" dur="indefinite" restart="never" nodeType="tmRoot"/>
       </p:par>
     </p:tnLst>
   </p:timing>
@@ -19465,7 +19481,7 @@
   <p:timing>
     <p:tnLst>
       <p:par>
-        <p:cTn xmlns:p14="http://schemas.microsoft.com/office/powerpoint/2010/main" id="1" dur="indefinite" restart="never" nodeType="tmRoot"/>
+        <p:cTn id="1" dur="indefinite" restart="never" nodeType="tmRoot"/>
       </p:par>
     </p:tnLst>
   </p:timing>
@@ -19652,7 +19668,7 @@
   <p:timing>
     <p:tnLst>
       <p:par>
-        <p:cTn xmlns:p14="http://schemas.microsoft.com/office/powerpoint/2010/main" id="1" dur="indefinite" restart="never" nodeType="tmRoot"/>
+        <p:cTn id="1" dur="indefinite" restart="never" nodeType="tmRoot"/>
       </p:par>
     </p:tnLst>
   </p:timing>
@@ -19927,7 +19943,7 @@
   <p:timing>
     <p:tnLst>
       <p:par>
-        <p:cTn xmlns:p14="http://schemas.microsoft.com/office/powerpoint/2010/main" id="1" dur="indefinite" restart="never" nodeType="tmRoot"/>
+        <p:cTn id="1" dur="indefinite" restart="never" nodeType="tmRoot"/>
       </p:par>
     </p:tnLst>
   </p:timing>
@@ -20058,7 +20074,7 @@
   <p:timing>
     <p:tnLst>
       <p:par>
-        <p:cTn xmlns:p14="http://schemas.microsoft.com/office/powerpoint/2010/main" id="1" dur="indefinite" restart="never" nodeType="tmRoot"/>
+        <p:cTn id="1" dur="indefinite" restart="never" nodeType="tmRoot"/>
       </p:par>
     </p:tnLst>
   </p:timing>
@@ -20187,7 +20203,7 @@
   <p:timing>
     <p:tnLst>
       <p:par>
-        <p:cTn xmlns:p14="http://schemas.microsoft.com/office/powerpoint/2010/main" id="1" dur="indefinite" restart="never" nodeType="tmRoot"/>
+        <p:cTn id="1" dur="indefinite" restart="never" nodeType="tmRoot"/>
       </p:par>
     </p:tnLst>
   </p:timing>
@@ -20294,7 +20310,7 @@
   <p:timing>
     <p:tnLst>
       <p:par>
-        <p:cTn xmlns:p14="http://schemas.microsoft.com/office/powerpoint/2010/main" id="1" dur="indefinite" restart="never" nodeType="tmRoot"/>
+        <p:cTn id="1" dur="indefinite" restart="never" nodeType="tmRoot"/>
       </p:par>
     </p:tnLst>
   </p:timing>
@@ -20426,7 +20442,7 @@
   <p:timing>
     <p:tnLst>
       <p:par>
-        <p:cTn xmlns:p14="http://schemas.microsoft.com/office/powerpoint/2010/main" id="1" dur="indefinite" restart="never" nodeType="tmRoot"/>
+        <p:cTn id="1" dur="indefinite" restart="never" nodeType="tmRoot"/>
       </p:par>
     </p:tnLst>
   </p:timing>
@@ -20539,7 +20555,7 @@
   <p:timing>
     <p:tnLst>
       <p:par>
-        <p:cTn xmlns:p14="http://schemas.microsoft.com/office/powerpoint/2010/main" id="1" dur="indefinite" restart="never" nodeType="tmRoot"/>
+        <p:cTn id="1" dur="indefinite" restart="never" nodeType="tmRoot"/>
       </p:par>
     </p:tnLst>
   </p:timing>
@@ -20656,7 +20672,6 @@
               <a:rPr lang="en-US" dirty="0" smtClean="0"/>
               <a:t>for Usage</a:t>
             </a:r>
-            <a:endParaRPr lang="en-US" dirty="0" smtClean="0"/>
           </a:p>
         </p:txBody>
       </p:sp>
@@ -20704,7 +20719,7 @@
   <p:timing>
     <p:tnLst>
       <p:par>
-        <p:cTn xmlns:p14="http://schemas.microsoft.com/office/powerpoint/2010/main" id="1" dur="indefinite" restart="never" nodeType="tmRoot"/>
+        <p:cTn id="1" dur="indefinite" restart="never" nodeType="tmRoot"/>
       </p:par>
     </p:tnLst>
   </p:timing>
@@ -20871,7 +20886,7 @@
   <p:timing>
     <p:tnLst>
       <p:par>
-        <p:cTn xmlns:p14="http://schemas.microsoft.com/office/powerpoint/2010/main" id="1" dur="indefinite" restart="never" nodeType="tmRoot"/>
+        <p:cTn id="1" dur="indefinite" restart="never" nodeType="tmRoot"/>
       </p:par>
     </p:tnLst>
   </p:timing>
@@ -21035,7 +21050,7 @@
   <p:timing>
     <p:tnLst>
       <p:par>
-        <p:cTn xmlns:p14="http://schemas.microsoft.com/office/powerpoint/2010/main" id="1" dur="indefinite" restart="never" nodeType="tmRoot"/>
+        <p:cTn id="1" dur="indefinite" restart="never" nodeType="tmRoot"/>
       </p:par>
     </p:tnLst>
   </p:timing>
@@ -21160,7 +21175,7 @@
   <p:timing>
     <p:tnLst>
       <p:par>
-        <p:cTn xmlns:p14="http://schemas.microsoft.com/office/powerpoint/2010/main" id="1" dur="indefinite" restart="never" nodeType="tmRoot"/>
+        <p:cTn id="1" dur="indefinite" restart="never" nodeType="tmRoot"/>
       </p:par>
     </p:tnLst>
   </p:timing>
@@ -21294,7 +21309,7 @@
   <p:timing>
     <p:tnLst>
       <p:par>
-        <p:cTn xmlns:p14="http://schemas.microsoft.com/office/powerpoint/2010/main" id="1" dur="indefinite" restart="never" nodeType="tmRoot"/>
+        <p:cTn id="1" dur="indefinite" restart="never" nodeType="tmRoot"/>
       </p:par>
     </p:tnLst>
   </p:timing>
@@ -21331,7 +21346,7 @@
         <p:spPr/>
         <p:txBody>
           <a:bodyPr>
-            <a:normAutofit fontScale="92500" lnSpcReduction="20000"/>
+            <a:normAutofit fontScale="85000" lnSpcReduction="20000"/>
           </a:bodyPr>
           <a:lstStyle/>
           <a:p>
@@ -21344,8 +21359,40 @@
             <a:pPr lvl="1"/>
             <a:r>
               <a:rPr lang="en-US" dirty="0" smtClean="0"/>
-              <a:t>9 Available Regions (as of April, 2015)</a:t>
-            </a:r>
+              <a:t>11 </a:t>
+            </a:r>
+            <a:r>
+              <a:rPr lang="en-US" dirty="0" smtClean="0"/>
+              <a:t>Available Regions (as of </a:t>
+            </a:r>
+            <a:r>
+              <a:rPr lang="en-US" dirty="0" smtClean="0"/>
+              <a:t>November, </a:t>
+            </a:r>
+            <a:r>
+              <a:rPr lang="en-US" dirty="0" smtClean="0"/>
+              <a:t>2015</a:t>
+            </a:r>
+            <a:r>
+              <a:rPr lang="en-US" dirty="0" smtClean="0"/>
+              <a:t>)</a:t>
+            </a:r>
+          </a:p>
+          <a:p>
+            <a:pPr lvl="2"/>
+            <a:r>
+              <a:rPr lang="en-US" dirty="0" smtClean="0"/>
+              <a:t>Including </a:t>
+            </a:r>
+            <a:r>
+              <a:rPr lang="en-US" dirty="0" err="1" smtClean="0"/>
+              <a:t>GovCloud</a:t>
+            </a:r>
+            <a:r>
+              <a:rPr lang="en-US" smtClean="0"/>
+              <a:t> and China</a:t>
+            </a:r>
+            <a:endParaRPr lang="en-US" dirty="0" smtClean="0"/>
           </a:p>
           <a:p>
             <a:pPr lvl="1"/>
@@ -21455,7 +21502,7 @@
   <p:timing>
     <p:tnLst>
       <p:par>
-        <p:cTn xmlns:p14="http://schemas.microsoft.com/office/powerpoint/2010/main" id="1" dur="indefinite" restart="never" nodeType="tmRoot"/>
+        <p:cTn id="1" dur="indefinite" restart="never" nodeType="tmRoot"/>
       </p:par>
     </p:tnLst>
   </p:timing>
@@ -21544,7 +21591,7 @@
   <p:timing>
     <p:tnLst>
       <p:par>
-        <p:cTn xmlns:p14="http://schemas.microsoft.com/office/powerpoint/2010/main" id="1" dur="indefinite" restart="never" nodeType="tmRoot"/>
+        <p:cTn id="1" dur="indefinite" restart="never" nodeType="tmRoot"/>
       </p:par>
     </p:tnLst>
   </p:timing>

--- a/aws-introduction/aws-introduction.pptx
+++ b/aws-introduction/aws-introduction.pptx
@@ -19234,20 +19234,25 @@
         <p:spPr/>
         <p:txBody>
           <a:bodyPr>
-            <a:normAutofit fontScale="90000"/>
+            <a:normAutofit/>
           </a:bodyPr>
           <a:lstStyle/>
           <a:p>
             <a:r>
               <a:rPr lang="en-US" dirty="0" smtClean="0"/>
-              <a:t>Hands On Exercise:</a:t>
-            </a:r>
-            <a:br>
+              <a:t>Lab:</a:t>
+            </a:r>
+            <a:r>
+              <a:rPr lang="en-US" dirty="0"/>
+              <a:t> </a:t>
+            </a:r>
+            <a:r>
               <a:rPr lang="en-US" dirty="0" smtClean="0"/>
-            </a:br>
+              <a:t>Create </a:t>
+            </a:r>
             <a:r>
               <a:rPr lang="en-US" dirty="0" smtClean="0"/>
-              <a:t>Create an EC2 Instance</a:t>
+              <a:t>an EC2 Instance</a:t>
             </a:r>
             <a:endParaRPr lang="en-US" dirty="0"/>
           </a:p>
@@ -21359,23 +21364,7 @@
             <a:pPr lvl="1"/>
             <a:r>
               <a:rPr lang="en-US" dirty="0" smtClean="0"/>
-              <a:t>11 </a:t>
-            </a:r>
-            <a:r>
-              <a:rPr lang="en-US" dirty="0" smtClean="0"/>
-              <a:t>Available Regions (as of </a:t>
-            </a:r>
-            <a:r>
-              <a:rPr lang="en-US" dirty="0" smtClean="0"/>
-              <a:t>November, </a:t>
-            </a:r>
-            <a:r>
-              <a:rPr lang="en-US" dirty="0" smtClean="0"/>
-              <a:t>2015</a:t>
-            </a:r>
-            <a:r>
-              <a:rPr lang="en-US" dirty="0" smtClean="0"/>
-              <a:t>)</a:t>
+              <a:t>11 Available Regions (as of November, 2015)</a:t>
             </a:r>
           </a:p>
           <a:p>

--- a/aws-introduction/aws-introduction.pptx
+++ b/aws-introduction/aws-introduction.pptx
@@ -26,11 +26,11 @@
     <p:sldId id="285" r:id="rId17"/>
     <p:sldId id="286" r:id="rId18"/>
     <p:sldId id="302" r:id="rId19"/>
-    <p:sldId id="288" r:id="rId20"/>
-    <p:sldId id="290" r:id="rId21"/>
-    <p:sldId id="305" r:id="rId22"/>
-    <p:sldId id="282" r:id="rId23"/>
-    <p:sldId id="284" r:id="rId24"/>
+    <p:sldId id="282" r:id="rId20"/>
+    <p:sldId id="284" r:id="rId21"/>
+    <p:sldId id="288" r:id="rId22"/>
+    <p:sldId id="290" r:id="rId23"/>
+    <p:sldId id="305" r:id="rId24"/>
     <p:sldId id="303" r:id="rId25"/>
     <p:sldId id="280" r:id="rId26"/>
   </p:sldIdLst>
@@ -238,7 +238,7 @@
           <a:p>
             <a:fld id="{1B6676A5-1300-B945-98B1-DD92DDC3A3CB}" type="datetimeFigureOut">
               <a:rPr lang="en-US" smtClean="0"/>
-              <a:t>11/22/15</a:t>
+              <a:t>12/2/15</a:t>
             </a:fld>
             <a:endParaRPr lang="en-US"/>
           </a:p>
@@ -1363,166 +1363,7 @@
           <a:bodyPr/>
           <a:lstStyle/>
           <a:p>
-            <a:pPr marL="0" indent="0">
-              <a:buFont typeface="Arial"/>
-              <a:buNone/>
-            </a:pPr>
-            <a:r>
-              <a:rPr lang="en-US" baseline="0" dirty="0" smtClean="0"/>
-              <a:t>S3:</a:t>
-            </a:r>
-          </a:p>
-          <a:p>
-            <a:pPr marL="171450" indent="-171450">
-              <a:buFont typeface="Arial"/>
-              <a:buChar char="•"/>
-            </a:pPr>
-            <a:r>
-              <a:rPr lang="en-US" baseline="0" dirty="0" smtClean="0"/>
-              <a:t>One of the few AWS Services with an SLA</a:t>
-            </a:r>
-          </a:p>
-          <a:p>
-            <a:pPr marL="171450" indent="-171450">
-              <a:buFont typeface="Arial"/>
-              <a:buChar char="•"/>
-            </a:pPr>
-            <a:r>
-              <a:rPr lang="en-US" baseline="0" dirty="0" smtClean="0"/>
-              <a:t>Variable Performance</a:t>
-            </a:r>
-          </a:p>
-          <a:p>
-            <a:pPr marL="171450" indent="-171450">
-              <a:buFont typeface="Arial"/>
-              <a:buChar char="•"/>
-            </a:pPr>
-            <a:r>
-              <a:rPr lang="en-US" baseline="0" dirty="0" smtClean="0"/>
-              <a:t>Performance Optimizations are Available (http://</a:t>
-            </a:r>
-            <a:r>
-              <a:rPr lang="en-US" baseline="0" dirty="0" err="1" smtClean="0"/>
-              <a:t>docs.aws.amazon.com</a:t>
-            </a:r>
-            <a:r>
-              <a:rPr lang="en-US" baseline="0" dirty="0" smtClean="0"/>
-              <a:t>/AmazonS3/latest/</a:t>
-            </a:r>
-            <a:r>
-              <a:rPr lang="en-US" baseline="0" dirty="0" err="1" smtClean="0"/>
-              <a:t>dev</a:t>
-            </a:r>
-            <a:r>
-              <a:rPr lang="en-US" baseline="0" dirty="0" smtClean="0"/>
-              <a:t>/request-rate-</a:t>
-            </a:r>
-            <a:r>
-              <a:rPr lang="en-US" baseline="0" dirty="0" err="1" smtClean="0"/>
-              <a:t>perf</a:t>
-            </a:r>
-            <a:r>
-              <a:rPr lang="en-US" baseline="0" dirty="0" smtClean="0"/>
-              <a:t>-</a:t>
-            </a:r>
-            <a:r>
-              <a:rPr lang="en-US" baseline="0" dirty="0" err="1" smtClean="0"/>
-              <a:t>considerations.html</a:t>
-            </a:r>
-            <a:r>
-              <a:rPr lang="en-US" baseline="0" dirty="0" smtClean="0"/>
-              <a:t>)</a:t>
-            </a:r>
-          </a:p>
-          <a:p>
-            <a:pPr marL="0" indent="0">
-              <a:buFont typeface="Arial"/>
-              <a:buNone/>
-            </a:pPr>
-            <a:r>
-              <a:rPr lang="en-US" baseline="0" dirty="0" smtClean="0"/>
-              <a:t>RDS:</a:t>
-            </a:r>
-          </a:p>
-          <a:p>
-            <a:pPr marL="171450" indent="-171450">
-              <a:buFont typeface="Arial"/>
-              <a:buChar char="•"/>
-            </a:pPr>
-            <a:r>
-              <a:rPr lang="en-US" baseline="0" dirty="0" smtClean="0"/>
-              <a:t>EC2 Backed by EBS</a:t>
-            </a:r>
-          </a:p>
-          <a:p>
-            <a:pPr marL="171450" indent="-171450">
-              <a:buFont typeface="Arial"/>
-              <a:buChar char="•"/>
-            </a:pPr>
-            <a:r>
-              <a:rPr lang="en-US" baseline="0" dirty="0" smtClean="0"/>
-              <a:t>Not all </a:t>
-            </a:r>
-            <a:r>
-              <a:rPr lang="en-US" baseline="0" dirty="0" err="1" smtClean="0"/>
-              <a:t>tunables</a:t>
-            </a:r>
-            <a:r>
-              <a:rPr lang="en-US" baseline="0" dirty="0" smtClean="0"/>
-              <a:t> are exposed</a:t>
-            </a:r>
-          </a:p>
-          <a:p>
-            <a:pPr marL="171450" indent="-171450">
-              <a:buFont typeface="Arial"/>
-              <a:buChar char="•"/>
-            </a:pPr>
-            <a:r>
-              <a:rPr lang="en-US" baseline="0" dirty="0" smtClean="0"/>
-              <a:t>Multi-AZ has not been foolproof – for instance, the June 29, 2012 outage triggered failover events that failed to bring about database availability: http://</a:t>
-            </a:r>
-            <a:r>
-              <a:rPr lang="en-US" baseline="0" dirty="0" err="1" smtClean="0"/>
-              <a:t>aws.amazon.com</a:t>
-            </a:r>
-            <a:r>
-              <a:rPr lang="en-US" baseline="0" dirty="0" smtClean="0"/>
-              <a:t>/message/67457/. Bug since resolved.</a:t>
-            </a:r>
-          </a:p>
-          <a:p>
-            <a:pPr marL="0" indent="0">
-              <a:buFont typeface="Arial"/>
-              <a:buNone/>
-            </a:pPr>
-            <a:r>
-              <a:rPr lang="en-US" baseline="0" dirty="0" smtClean="0"/>
-              <a:t>EBS:</a:t>
-            </a:r>
-          </a:p>
-          <a:p>
-            <a:pPr marL="171450" indent="-171450">
-              <a:buFont typeface="Arial"/>
-              <a:buChar char="•"/>
-            </a:pPr>
-            <a:r>
-              <a:rPr lang="en-US" baseline="0" dirty="0" smtClean="0"/>
-              <a:t>No feature exists to replicate an EBS volume across availability zones in real-time, frequently resulting in single-AZ systems</a:t>
-            </a:r>
-          </a:p>
-          <a:p>
-            <a:pPr marL="0" indent="0">
-              <a:buFont typeface="Arial"/>
-              <a:buNone/>
-            </a:pPr>
-            <a:endParaRPr lang="en-US" baseline="0" dirty="0" smtClean="0"/>
-          </a:p>
-          <a:p>
-            <a:pPr marL="0" indent="0">
-              <a:buFont typeface="Arial"/>
-              <a:buNone/>
-            </a:pPr>
-            <a:endParaRPr lang="en-US" baseline="0" dirty="0" smtClean="0"/>
+            <a:endParaRPr lang="en-US" dirty="0"/>
           </a:p>
         </p:txBody>
       </p:sp>
@@ -1552,7 +1393,7 @@
     </p:spTree>
     <p:extLst>
       <p:ext uri="{BB962C8B-B14F-4D97-AF65-F5344CB8AC3E}">
-        <p14:creationId xmlns:p14="http://schemas.microsoft.com/office/powerpoint/2010/main" val="3463813937"/>
+        <p14:creationId xmlns:p14="http://schemas.microsoft.com/office/powerpoint/2010/main" val="4236847584"/>
       </p:ext>
     </p:extLst>
   </p:cSld>
@@ -1698,6 +1539,161 @@
               <a:buFont typeface="Arial"/>
               <a:buNone/>
             </a:pPr>
+            <a:r>
+              <a:rPr lang="en-US" baseline="0" dirty="0" smtClean="0"/>
+              <a:t>S3:</a:t>
+            </a:r>
+          </a:p>
+          <a:p>
+            <a:pPr marL="171450" indent="-171450">
+              <a:buFont typeface="Arial"/>
+              <a:buChar char="•"/>
+            </a:pPr>
+            <a:r>
+              <a:rPr lang="en-US" baseline="0" dirty="0" smtClean="0"/>
+              <a:t>One of the few AWS Services with an SLA</a:t>
+            </a:r>
+          </a:p>
+          <a:p>
+            <a:pPr marL="171450" indent="-171450">
+              <a:buFont typeface="Arial"/>
+              <a:buChar char="•"/>
+            </a:pPr>
+            <a:r>
+              <a:rPr lang="en-US" baseline="0" dirty="0" smtClean="0"/>
+              <a:t>Variable Performance</a:t>
+            </a:r>
+          </a:p>
+          <a:p>
+            <a:pPr marL="171450" indent="-171450">
+              <a:buFont typeface="Arial"/>
+              <a:buChar char="•"/>
+            </a:pPr>
+            <a:r>
+              <a:rPr lang="en-US" baseline="0" dirty="0" smtClean="0"/>
+              <a:t>Performance Optimizations are Available (http://</a:t>
+            </a:r>
+            <a:r>
+              <a:rPr lang="en-US" baseline="0" dirty="0" err="1" smtClean="0"/>
+              <a:t>docs.aws.amazon.com</a:t>
+            </a:r>
+            <a:r>
+              <a:rPr lang="en-US" baseline="0" dirty="0" smtClean="0"/>
+              <a:t>/AmazonS3/latest/</a:t>
+            </a:r>
+            <a:r>
+              <a:rPr lang="en-US" baseline="0" dirty="0" err="1" smtClean="0"/>
+              <a:t>dev</a:t>
+            </a:r>
+            <a:r>
+              <a:rPr lang="en-US" baseline="0" dirty="0" smtClean="0"/>
+              <a:t>/request-rate-</a:t>
+            </a:r>
+            <a:r>
+              <a:rPr lang="en-US" baseline="0" dirty="0" err="1" smtClean="0"/>
+              <a:t>perf</a:t>
+            </a:r>
+            <a:r>
+              <a:rPr lang="en-US" baseline="0" dirty="0" smtClean="0"/>
+              <a:t>-</a:t>
+            </a:r>
+            <a:r>
+              <a:rPr lang="en-US" baseline="0" dirty="0" err="1" smtClean="0"/>
+              <a:t>considerations.html</a:t>
+            </a:r>
+            <a:r>
+              <a:rPr lang="en-US" baseline="0" dirty="0" smtClean="0"/>
+              <a:t>)</a:t>
+            </a:r>
+          </a:p>
+          <a:p>
+            <a:pPr marL="0" indent="0">
+              <a:buFont typeface="Arial"/>
+              <a:buNone/>
+            </a:pPr>
+            <a:r>
+              <a:rPr lang="en-US" baseline="0" dirty="0" smtClean="0"/>
+              <a:t>RDS:</a:t>
+            </a:r>
+          </a:p>
+          <a:p>
+            <a:pPr marL="171450" indent="-171450">
+              <a:buFont typeface="Arial"/>
+              <a:buChar char="•"/>
+            </a:pPr>
+            <a:r>
+              <a:rPr lang="en-US" baseline="0" dirty="0" smtClean="0"/>
+              <a:t>EC2 Backed by EBS</a:t>
+            </a:r>
+          </a:p>
+          <a:p>
+            <a:pPr marL="171450" indent="-171450">
+              <a:buFont typeface="Arial"/>
+              <a:buChar char="•"/>
+            </a:pPr>
+            <a:r>
+              <a:rPr lang="en-US" baseline="0" dirty="0" smtClean="0"/>
+              <a:t>Not all </a:t>
+            </a:r>
+            <a:r>
+              <a:rPr lang="en-US" baseline="0" dirty="0" err="1" smtClean="0"/>
+              <a:t>tunables</a:t>
+            </a:r>
+            <a:r>
+              <a:rPr lang="en-US" baseline="0" dirty="0" smtClean="0"/>
+              <a:t> are exposed</a:t>
+            </a:r>
+          </a:p>
+          <a:p>
+            <a:pPr marL="171450" indent="-171450">
+              <a:buFont typeface="Arial"/>
+              <a:buChar char="•"/>
+            </a:pPr>
+            <a:r>
+              <a:rPr lang="en-US" baseline="0" dirty="0" smtClean="0"/>
+              <a:t>Multi-AZ has not been foolproof – for instance, the June 29, 2012 outage triggered failover events that failed to bring about database availability: http://</a:t>
+            </a:r>
+            <a:r>
+              <a:rPr lang="en-US" baseline="0" dirty="0" err="1" smtClean="0"/>
+              <a:t>aws.amazon.com</a:t>
+            </a:r>
+            <a:r>
+              <a:rPr lang="en-US" baseline="0" dirty="0" smtClean="0"/>
+              <a:t>/message/67457/. Bug since resolved.</a:t>
+            </a:r>
+          </a:p>
+          <a:p>
+            <a:pPr marL="0" indent="0">
+              <a:buFont typeface="Arial"/>
+              <a:buNone/>
+            </a:pPr>
+            <a:r>
+              <a:rPr lang="en-US" baseline="0" dirty="0" smtClean="0"/>
+              <a:t>EBS:</a:t>
+            </a:r>
+          </a:p>
+          <a:p>
+            <a:pPr marL="171450" indent="-171450">
+              <a:buFont typeface="Arial"/>
+              <a:buChar char="•"/>
+            </a:pPr>
+            <a:r>
+              <a:rPr lang="en-US" baseline="0" dirty="0" smtClean="0"/>
+              <a:t>No feature exists to replicate an EBS volume across availability zones in real-time, frequently resulting in single-AZ systems</a:t>
+            </a:r>
+          </a:p>
+          <a:p>
+            <a:pPr marL="0" indent="0">
+              <a:buFont typeface="Arial"/>
+              <a:buNone/>
+            </a:pPr>
+            <a:endParaRPr lang="en-US" baseline="0" dirty="0" smtClean="0"/>
+          </a:p>
+          <a:p>
+            <a:pPr marL="0" indent="0">
+              <a:buFont typeface="Arial"/>
+              <a:buNone/>
+            </a:pPr>
             <a:endParaRPr lang="en-US" baseline="0" dirty="0" smtClean="0"/>
           </a:p>
         </p:txBody>
@@ -1900,7 +1896,11 @@
           <a:bodyPr/>
           <a:lstStyle/>
           <a:p>
-            <a:endParaRPr lang="en-US" dirty="0"/>
+            <a:pPr marL="0" indent="0">
+              <a:buFont typeface="Arial"/>
+              <a:buNone/>
+            </a:pPr>
+            <a:endParaRPr lang="en-US" baseline="0" dirty="0" smtClean="0"/>
           </a:p>
         </p:txBody>
       </p:sp>
@@ -1930,7 +1930,7 @@
     </p:spTree>
     <p:extLst>
       <p:ext uri="{BB962C8B-B14F-4D97-AF65-F5344CB8AC3E}">
-        <p14:creationId xmlns:p14="http://schemas.microsoft.com/office/powerpoint/2010/main" val="4236847584"/>
+        <p14:creationId xmlns:p14="http://schemas.microsoft.com/office/powerpoint/2010/main" val="3463813937"/>
       </p:ext>
     </p:extLst>
   </p:cSld>
@@ -4957,7 +4957,7 @@
           <a:p>
             <a:fld id="{7CE38E4D-051A-41E1-86A4-E56916468FD0}" type="datetimeFigureOut">
               <a:rPr lang="en-US" smtClean="0"/>
-              <a:t>11/22/15</a:t>
+              <a:t>12/2/15</a:t>
             </a:fld>
             <a:endParaRPr lang="en-US"/>
           </a:p>
@@ -5162,7 +5162,7 @@
           <a:p>
             <a:fld id="{7CE38E4D-051A-41E1-86A4-E56916468FD0}" type="datetimeFigureOut">
               <a:rPr lang="en-US" smtClean="0"/>
-              <a:t>11/22/15</a:t>
+              <a:t>12/2/15</a:t>
             </a:fld>
             <a:endParaRPr lang="en-US"/>
           </a:p>
@@ -5313,7 +5313,7 @@
           <a:p>
             <a:fld id="{7CE38E4D-051A-41E1-86A4-E56916468FD0}" type="datetimeFigureOut">
               <a:rPr lang="en-US" smtClean="0"/>
-              <a:t>11/22/15</a:t>
+              <a:t>12/2/15</a:t>
             </a:fld>
             <a:endParaRPr lang="en-US"/>
           </a:p>
@@ -7139,7 +7139,7 @@
           <a:p>
             <a:fld id="{7CE38E4D-051A-41E1-86A4-E56916468FD0}" type="datetimeFigureOut">
               <a:rPr lang="en-US" smtClean="0"/>
-              <a:t>11/22/15</a:t>
+              <a:t>12/2/15</a:t>
             </a:fld>
             <a:endParaRPr lang="en-US"/>
           </a:p>
@@ -9009,7 +9009,7 @@
           <a:p>
             <a:fld id="{7CE38E4D-051A-41E1-86A4-E56916468FD0}" type="datetimeFigureOut">
               <a:rPr lang="en-US" smtClean="0"/>
-              <a:t>11/22/15</a:t>
+              <a:t>12/2/15</a:t>
             </a:fld>
             <a:endParaRPr lang="en-US"/>
           </a:p>
@@ -9122,7 +9122,7 @@
           <a:p>
             <a:fld id="{7CE38E4D-051A-41E1-86A4-E56916468FD0}" type="datetimeFigureOut">
               <a:rPr lang="en-US" smtClean="0"/>
-              <a:t>11/22/15</a:t>
+              <a:t>12/2/15</a:t>
             </a:fld>
             <a:endParaRPr lang="en-US"/>
           </a:p>
@@ -9663,7 +9663,7 @@
           <a:p>
             <a:fld id="{7CE38E4D-051A-41E1-86A4-E56916468FD0}" type="datetimeFigureOut">
               <a:rPr lang="en-US" smtClean="0"/>
-              <a:t>11/22/15</a:t>
+              <a:t>12/2/15</a:t>
             </a:fld>
             <a:endParaRPr lang="en-US"/>
           </a:p>
@@ -9776,7 +9776,7 @@
           <a:p>
             <a:fld id="{7CE38E4D-051A-41E1-86A4-E56916468FD0}" type="datetimeFigureOut">
               <a:rPr lang="en-US" smtClean="0"/>
-              <a:t>11/22/15</a:t>
+              <a:t>12/2/15</a:t>
             </a:fld>
             <a:endParaRPr lang="en-US"/>
           </a:p>
@@ -11487,7 +11487,7 @@
           <a:p>
             <a:fld id="{7CE38E4D-051A-41E1-86A4-E56916468FD0}" type="datetimeFigureOut">
               <a:rPr lang="en-US" smtClean="0"/>
-              <a:t>11/22/15</a:t>
+              <a:t>12/2/15</a:t>
             </a:fld>
             <a:endParaRPr lang="en-US"/>
           </a:p>
@@ -11638,7 +11638,7 @@
           <a:p>
             <a:fld id="{7CE38E4D-051A-41E1-86A4-E56916468FD0}" type="datetimeFigureOut">
               <a:rPr lang="en-US" smtClean="0"/>
-              <a:t>11/22/15</a:t>
+              <a:t>12/2/15</a:t>
             </a:fld>
             <a:endParaRPr lang="en-US"/>
           </a:p>
@@ -15254,7 +15254,7 @@
           <a:p>
             <a:fld id="{7CE38E4D-051A-41E1-86A4-E56916468FD0}" type="datetimeFigureOut">
               <a:rPr lang="en-US" smtClean="0"/>
-              <a:t>11/22/15</a:t>
+              <a:t>12/2/15</a:t>
             </a:fld>
             <a:endParaRPr lang="en-US"/>
           </a:p>
@@ -17113,7 +17113,7 @@
           <a:p>
             <a:fld id="{7CE38E4D-051A-41E1-86A4-E56916468FD0}" type="datetimeFigureOut">
               <a:rPr lang="en-US" smtClean="0"/>
-              <a:t>11/22/15</a:t>
+              <a:t>12/2/15</a:t>
             </a:fld>
             <a:endParaRPr lang="en-US"/>
           </a:p>
@@ -19248,11 +19248,7 @@
             </a:r>
             <a:r>
               <a:rPr lang="en-US" dirty="0" smtClean="0"/>
-              <a:t>Create </a:t>
-            </a:r>
-            <a:r>
-              <a:rPr lang="en-US" dirty="0" smtClean="0"/>
-              <a:t>an EC2 Instance</a:t>
+              <a:t>Create an EC2 Instance</a:t>
             </a:r>
             <a:endParaRPr lang="en-US" dirty="0"/>
           </a:p>
@@ -19316,125 +19312,45 @@
         <p:spPr/>
         <p:txBody>
           <a:bodyPr>
-            <a:normAutofit fontScale="85000" lnSpcReduction="20000"/>
+            <a:normAutofit/>
           </a:bodyPr>
           <a:lstStyle/>
           <a:p>
+            <a:pPr lvl="1"/>
             <a:r>
               <a:rPr lang="en-US" dirty="0" smtClean="0"/>
-              <a:t>ELB: Elastic Load Balancer</a:t>
+              <a:t>Ingress: ELB, SQS or other Ingress</a:t>
             </a:r>
           </a:p>
           <a:p>
             <a:pPr lvl="1"/>
             <a:r>
               <a:rPr lang="en-US" dirty="0" smtClean="0"/>
-              <a:t>Immediate Response</a:t>
-            </a:r>
+              <a:t>Compute: </a:t>
+            </a:r>
+            <a:r>
+              <a:rPr lang="en-US" dirty="0" smtClean="0"/>
+              <a:t>EC2 Instances, ideally an Auto Scaling Group</a:t>
+            </a:r>
+            <a:endParaRPr lang="en-US" dirty="0" smtClean="0"/>
           </a:p>
           <a:p>
             <a:pPr lvl="1"/>
             <a:r>
               <a:rPr lang="en-US" dirty="0" smtClean="0"/>
-              <a:t>Distribute Requests amongst  EC2 Instances</a:t>
-            </a:r>
-          </a:p>
-          <a:p>
-            <a:pPr lvl="1"/>
+              <a:t>Data Storage: RDS, S3, </a:t>
+            </a:r>
+            <a:r>
+              <a:rPr lang="en-US" dirty="0" err="1" smtClean="0"/>
+              <a:t>DynamoDB</a:t>
+            </a:r>
+            <a:r>
+              <a:rPr lang="en-US" dirty="0"/>
+              <a:t> </a:t>
+            </a:r>
             <a:r>
               <a:rPr lang="en-US" dirty="0" smtClean="0"/>
-              <a:t>Built-in </a:t>
-            </a:r>
-            <a:r>
-              <a:rPr lang="en-US" dirty="0" err="1" smtClean="0"/>
-              <a:t>CloudWatch</a:t>
-            </a:r>
-            <a:r>
-              <a:rPr lang="en-US" dirty="0" smtClean="0"/>
-              <a:t> Metrics Allow Auto Scaling</a:t>
-            </a:r>
-          </a:p>
-          <a:p>
-            <a:r>
-              <a:rPr lang="en-US" dirty="0" smtClean="0"/>
-              <a:t>SQS: Simple Queue Service</a:t>
-            </a:r>
-          </a:p>
-          <a:p>
-            <a:pPr lvl="1"/>
-            <a:r>
-              <a:rPr lang="en-US" dirty="0" smtClean="0"/>
-              <a:t>Batch/Delayed Processing</a:t>
-            </a:r>
-          </a:p>
-          <a:p>
-            <a:pPr lvl="1"/>
-            <a:r>
-              <a:rPr lang="en-US" dirty="0" smtClean="0"/>
-              <a:t>Distribute Tasks amongst EC2 Instances</a:t>
-            </a:r>
-          </a:p>
-          <a:p>
-            <a:pPr lvl="1"/>
-            <a:r>
-              <a:rPr lang="en-US" dirty="0" smtClean="0"/>
-              <a:t>Built-in </a:t>
-            </a:r>
-            <a:r>
-              <a:rPr lang="en-US" dirty="0" err="1" smtClean="0"/>
-              <a:t>CloudWatch</a:t>
-            </a:r>
-            <a:r>
-              <a:rPr lang="en-US" dirty="0" smtClean="0"/>
-              <a:t> Metrics Allow Auto Scaling</a:t>
-            </a:r>
-          </a:p>
-          <a:p>
-            <a:r>
-              <a:rPr lang="en-US" dirty="0" smtClean="0"/>
-              <a:t>Other Ingress Methods:</a:t>
-            </a:r>
-          </a:p>
-          <a:p>
-            <a:pPr lvl="1"/>
-            <a:r>
-              <a:rPr lang="en-US" dirty="0" smtClean="0"/>
-              <a:t>Examples: </a:t>
-            </a:r>
-            <a:r>
-              <a:rPr lang="en-US" dirty="0" err="1" smtClean="0"/>
-              <a:t>ActiveMQ</a:t>
-            </a:r>
-            <a:r>
-              <a:rPr lang="en-US" dirty="0" smtClean="0"/>
-              <a:t>, </a:t>
-            </a:r>
-            <a:r>
-              <a:rPr lang="en-US" dirty="0" err="1" smtClean="0"/>
-              <a:t>Redis</a:t>
-            </a:r>
-            <a:r>
-              <a:rPr lang="en-US" dirty="0" smtClean="0"/>
-              <a:t>, various Proxies</a:t>
-            </a:r>
-          </a:p>
-          <a:p>
-            <a:pPr lvl="1"/>
-            <a:r>
-              <a:rPr lang="en-US" dirty="0" smtClean="0"/>
-              <a:t>If you need to Auto Scale, </a:t>
-            </a:r>
-            <a:r>
-              <a:rPr lang="en-US" smtClean="0"/>
-              <a:t>create custom </a:t>
-            </a:r>
-            <a:r>
-              <a:rPr lang="en-US" dirty="0" err="1" smtClean="0"/>
-              <a:t>CloudWatch</a:t>
-            </a:r>
-            <a:r>
-              <a:rPr lang="en-US" dirty="0" smtClean="0"/>
-              <a:t> Metrics</a:t>
+              <a:t>or other Data Storage</a:t>
             </a:r>
             <a:endParaRPr lang="en-US" dirty="0"/>
           </a:p>
@@ -19453,13 +19369,20 @@
         <p:spPr/>
         <p:txBody>
           <a:bodyPr>
-            <a:normAutofit/>
+            <a:normAutofit fontScale="90000"/>
           </a:bodyPr>
           <a:lstStyle/>
           <a:p>
             <a:r>
               <a:rPr lang="en-US" dirty="0" smtClean="0"/>
-              <a:t>Ingress: ELB, SQS or Other</a:t>
+              <a:t>AWS Architecture:</a:t>
+            </a:r>
+            <a:br>
+              <a:rPr lang="en-US" dirty="0" smtClean="0"/>
+            </a:br>
+            <a:r>
+              <a:rPr lang="en-US" dirty="0" smtClean="0"/>
+              <a:t>Typical Data Flow</a:t>
             </a:r>
             <a:endParaRPr lang="en-US" dirty="0"/>
           </a:p>
@@ -19468,7 +19391,7 @@
     </p:spTree>
     <p:extLst>
       <p:ext uri="{BB962C8B-B14F-4D97-AF65-F5344CB8AC3E}">
-        <p14:creationId xmlns:p14="http://schemas.microsoft.com/office/powerpoint/2010/main" val="3119918725"/>
+        <p14:creationId xmlns:p14="http://schemas.microsoft.com/office/powerpoint/2010/main" val="1959491456"/>
       </p:ext>
     </p:extLst>
   </p:cSld>
@@ -19716,221 +19639,53 @@
           <a:p>
             <a:r>
               <a:rPr lang="en-US" dirty="0" smtClean="0"/>
-              <a:t>Data Storage: RDS, </a:t>
-            </a:r>
-            <a:r>
-              <a:rPr lang="en-US" dirty="0" err="1" smtClean="0"/>
-              <a:t>DynamoDB</a:t>
-            </a:r>
-            <a:r>
-              <a:rPr lang="en-US" dirty="0" smtClean="0"/>
-              <a:t>,</a:t>
+              <a:t>AWS Architecture:</a:t>
             </a:r>
             <a:br>
               <a:rPr lang="en-US" dirty="0" smtClean="0"/>
             </a:br>
             <a:r>
               <a:rPr lang="en-US" dirty="0" smtClean="0"/>
-              <a:t>S3, EBS and EFS</a:t>
+              <a:t>Typical Data Flow</a:t>
             </a:r>
             <a:endParaRPr lang="en-US" dirty="0"/>
           </a:p>
         </p:txBody>
       </p:sp>
-      <p:sp>
-        <p:nvSpPr>
-          <p:cNvPr id="3" name="Content Placeholder 2"/>
-          <p:cNvSpPr>
-            <a:spLocks noGrp="1"/>
-          </p:cNvSpPr>
-          <p:nvPr>
-            <p:ph sz="quarter" idx="13"/>
-          </p:nvPr>
-        </p:nvSpPr>
-        <p:spPr/>
-        <p:txBody>
-          <a:bodyPr>
-            <a:normAutofit/>
-          </a:bodyPr>
-          <a:lstStyle/>
-          <a:p>
-            <a:r>
-              <a:rPr lang="en-US" dirty="0" smtClean="0"/>
-              <a:t>RDS</a:t>
-            </a:r>
-          </a:p>
-          <a:p>
-            <a:pPr lvl="1"/>
-            <a:r>
-              <a:rPr lang="en-US" dirty="0" smtClean="0"/>
-              <a:t>MySQL, </a:t>
-            </a:r>
-            <a:r>
-              <a:rPr lang="en-US" dirty="0" err="1" smtClean="0"/>
-              <a:t>PostgreSQL</a:t>
-            </a:r>
-            <a:r>
-              <a:rPr lang="en-US" dirty="0" smtClean="0"/>
-              <a:t>, Microsoft SQL, Oracle</a:t>
-            </a:r>
-          </a:p>
-          <a:p>
-            <a:pPr lvl="1"/>
-            <a:r>
-              <a:rPr lang="en-US" dirty="0" smtClean="0"/>
-              <a:t>Multi-AZ Replication</a:t>
-            </a:r>
-          </a:p>
-          <a:p>
-            <a:r>
-              <a:rPr lang="en-US" dirty="0" err="1"/>
-              <a:t>DynamoDB</a:t>
-            </a:r>
-            <a:endParaRPr lang="en-US" dirty="0"/>
-          </a:p>
-          <a:p>
-            <a:pPr lvl="1"/>
-            <a:r>
-              <a:rPr lang="en-US" dirty="0" err="1" smtClean="0"/>
-              <a:t>NoSQL</a:t>
-            </a:r>
-            <a:r>
-              <a:rPr lang="en-US" dirty="0" smtClean="0"/>
-              <a:t> Database</a:t>
-            </a:r>
-          </a:p>
-          <a:p>
-            <a:pPr lvl="1"/>
-            <a:r>
-              <a:rPr lang="en-US" dirty="0" smtClean="0"/>
-              <a:t>Pay as You Go / Pay for IO</a:t>
-            </a:r>
-          </a:p>
-          <a:p>
-            <a:pPr lvl="1"/>
-            <a:endParaRPr lang="en-US" dirty="0"/>
-          </a:p>
-          <a:p>
-            <a:endParaRPr lang="en-US" dirty="0" smtClean="0"/>
-          </a:p>
-          <a:p>
-            <a:pPr lvl="1"/>
-            <a:endParaRPr lang="en-US" dirty="0" smtClean="0"/>
-          </a:p>
-          <a:p>
-            <a:pPr lvl="1"/>
-            <a:endParaRPr lang="en-US" dirty="0" smtClean="0"/>
-          </a:p>
-        </p:txBody>
-      </p:sp>
-      <p:sp>
-        <p:nvSpPr>
-          <p:cNvPr id="4" name="Content Placeholder 3"/>
-          <p:cNvSpPr>
-            <a:spLocks noGrp="1"/>
-          </p:cNvSpPr>
-          <p:nvPr>
-            <p:ph sz="quarter" idx="14"/>
-          </p:nvPr>
-        </p:nvSpPr>
-        <p:spPr/>
-        <p:txBody>
-          <a:bodyPr>
-            <a:normAutofit fontScale="85000" lnSpcReduction="20000"/>
-          </a:bodyPr>
-          <a:lstStyle/>
-          <a:p>
-            <a:r>
-              <a:rPr lang="en-US" dirty="0"/>
-              <a:t>S3</a:t>
-            </a:r>
-          </a:p>
-          <a:p>
-            <a:pPr lvl="1"/>
-            <a:r>
-              <a:rPr lang="en-US" dirty="0"/>
-              <a:t>Highly </a:t>
-            </a:r>
-            <a:r>
-              <a:rPr lang="en-US" dirty="0" smtClean="0"/>
-              <a:t>Available and </a:t>
-            </a:r>
-            <a:r>
-              <a:rPr lang="en-US" dirty="0"/>
-              <a:t>Highly Durable</a:t>
-            </a:r>
-          </a:p>
-          <a:p>
-            <a:pPr lvl="1"/>
-            <a:r>
-              <a:rPr lang="en-US" dirty="0"/>
-              <a:t>Eventually </a:t>
-            </a:r>
-            <a:r>
-              <a:rPr lang="en-US" dirty="0" smtClean="0"/>
-              <a:t>Consistent</a:t>
-            </a:r>
-          </a:p>
-          <a:p>
-            <a:pPr lvl="1"/>
-            <a:r>
-              <a:rPr lang="en-US" dirty="0" smtClean="0"/>
-              <a:t>Shared Storage</a:t>
-            </a:r>
-          </a:p>
-          <a:p>
-            <a:r>
-              <a:rPr lang="en-US" dirty="0" smtClean="0"/>
-              <a:t>EBS</a:t>
-            </a:r>
-            <a:endParaRPr lang="en-US" dirty="0"/>
-          </a:p>
-          <a:p>
-            <a:pPr lvl="1"/>
-            <a:r>
-              <a:rPr lang="en-US" dirty="0"/>
-              <a:t>Direct Attached Storage</a:t>
-            </a:r>
-          </a:p>
-          <a:p>
-            <a:pPr lvl="1"/>
-            <a:r>
-              <a:rPr lang="en-US" dirty="0"/>
-              <a:t>Single Availability Zone</a:t>
-            </a:r>
-            <a:endParaRPr lang="en-US" dirty="0" smtClean="0"/>
-          </a:p>
-          <a:p>
-            <a:r>
-              <a:rPr lang="en-US" dirty="0" smtClean="0"/>
-              <a:t>EFS</a:t>
-            </a:r>
-            <a:endParaRPr lang="en-US" dirty="0"/>
-          </a:p>
-          <a:p>
-            <a:pPr lvl="1"/>
-            <a:r>
-              <a:rPr lang="en-US" dirty="0"/>
-              <a:t>Not Released Yet</a:t>
-            </a:r>
-          </a:p>
-          <a:p>
-            <a:pPr lvl="1"/>
-            <a:r>
-              <a:rPr lang="en-US" smtClean="0"/>
-              <a:t>Shared Block </a:t>
-            </a:r>
-            <a:r>
-              <a:rPr lang="en-US" dirty="0"/>
-              <a:t>Storage</a:t>
-            </a:r>
-          </a:p>
-        </p:txBody>
-      </p:sp>
+      <p:pic>
+        <p:nvPicPr>
+          <p:cNvPr id="7" name="Picture 6" descr="Typical AWS Architecture.pdf"/>
+          <p:cNvPicPr>
+            <a:picLocks noChangeAspect="1"/>
+          </p:cNvPicPr>
+          <p:nvPr/>
+        </p:nvPicPr>
+        <p:blipFill>
+          <a:blip r:embed="rId3">
+            <a:extLst>
+              <a:ext uri="{28A0092B-C50C-407E-A947-70E740481C1C}">
+                <a14:useLocalDpi xmlns:a14="http://schemas.microsoft.com/office/drawing/2010/main" val="0"/>
+              </a:ext>
+            </a:extLst>
+          </a:blip>
+          <a:stretch>
+            <a:fillRect/>
+          </a:stretch>
+        </p:blipFill>
+        <p:spPr>
+          <a:xfrm>
+            <a:off x="415924" y="2889767"/>
+            <a:ext cx="8308975" cy="3385882"/>
+          </a:xfrm>
+          <a:prstGeom prst="rect">
+            <a:avLst/>
+          </a:prstGeom>
+        </p:spPr>
+      </p:pic>
     </p:spTree>
     <p:extLst>
       <p:ext uri="{BB962C8B-B14F-4D97-AF65-F5344CB8AC3E}">
-        <p14:creationId xmlns:p14="http://schemas.microsoft.com/office/powerpoint/2010/main" val="851895621"/>
+        <p14:creationId xmlns:p14="http://schemas.microsoft.com/office/powerpoint/2010/main" val="1366523385"/>
       </p:ext>
     </p:extLst>
   </p:cSld>
@@ -19985,46 +19740,126 @@
         <p:spPr/>
         <p:txBody>
           <a:bodyPr>
-            <a:normAutofit/>
+            <a:normAutofit fontScale="85000" lnSpcReduction="20000"/>
           </a:bodyPr>
           <a:lstStyle/>
           <a:p>
             <a:r>
               <a:rPr lang="en-US" dirty="0" smtClean="0"/>
-              <a:t>All AWS Resources provide metrics to </a:t>
+              <a:t>ELB: Elastic Load Balancer</a:t>
+            </a:r>
+          </a:p>
+          <a:p>
+            <a:pPr lvl="1"/>
+            <a:r>
+              <a:rPr lang="en-US" dirty="0" smtClean="0"/>
+              <a:t>Immediate Response</a:t>
+            </a:r>
+          </a:p>
+          <a:p>
+            <a:pPr lvl="1"/>
+            <a:r>
+              <a:rPr lang="en-US" dirty="0" smtClean="0"/>
+              <a:t>Distribute Requests amongst  EC2 Instances</a:t>
+            </a:r>
+          </a:p>
+          <a:p>
+            <a:pPr lvl="1"/>
+            <a:r>
+              <a:rPr lang="en-US" dirty="0" smtClean="0"/>
+              <a:t>Built-in </a:t>
             </a:r>
             <a:r>
               <a:rPr lang="en-US" dirty="0" err="1" smtClean="0"/>
               <a:t>CloudWatch</a:t>
             </a:r>
-            <a:endParaRPr lang="en-US" dirty="0" smtClean="0"/>
-          </a:p>
-          <a:p>
             <a:r>
               <a:rPr lang="en-US" dirty="0" smtClean="0"/>
-              <a:t>not all encompassing</a:t>
+              <a:t> Metrics Allow Auto Scaling</a:t>
+            </a:r>
+          </a:p>
+          <a:p>
+            <a:r>
+              <a:rPr lang="en-US" dirty="0" smtClean="0"/>
+              <a:t>SQS: Simple Queue Service</a:t>
             </a:r>
           </a:p>
           <a:p>
             <a:pPr lvl="1"/>
             <a:r>
               <a:rPr lang="en-US" dirty="0" smtClean="0"/>
-              <a:t>Example: no free memory or disk space utilization on EC2</a:t>
-            </a:r>
-          </a:p>
-          <a:p>
+              <a:t>Batch/Delayed Processing</a:t>
+            </a:r>
+          </a:p>
+          <a:p>
+            <a:pPr lvl="1"/>
             <a:r>
               <a:rPr lang="en-US" dirty="0" smtClean="0"/>
-              <a:t>able to be extended through custom metrics</a:t>
-            </a:r>
-          </a:p>
-          <a:p>
+              <a:t>Distribute Tasks amongst EC2 Instances</a:t>
+            </a:r>
+          </a:p>
+          <a:p>
+            <a:pPr lvl="1"/>
             <a:r>
               <a:rPr lang="en-US" dirty="0" smtClean="0"/>
-              <a:t>Works in tandem with AWS Resources – can trigger email alerts or Auto Scaling events</a:t>
-            </a:r>
-          </a:p>
-          <a:p>
+              <a:t>Built-in </a:t>
+            </a:r>
+            <a:r>
+              <a:rPr lang="en-US" dirty="0" err="1" smtClean="0"/>
+              <a:t>CloudWatch</a:t>
+            </a:r>
+            <a:r>
+              <a:rPr lang="en-US" dirty="0" smtClean="0"/>
+              <a:t> Metrics Allow Auto Scaling</a:t>
+            </a:r>
+          </a:p>
+          <a:p>
+            <a:r>
+              <a:rPr lang="en-US" dirty="0" smtClean="0"/>
+              <a:t>Other Ingress Methods:</a:t>
+            </a:r>
+          </a:p>
+          <a:p>
+            <a:pPr lvl="1"/>
+            <a:r>
+              <a:rPr lang="en-US" dirty="0" smtClean="0"/>
+              <a:t>Examples: </a:t>
+            </a:r>
+            <a:r>
+              <a:rPr lang="en-US" dirty="0" err="1" smtClean="0"/>
+              <a:t>ActiveMQ</a:t>
+            </a:r>
+            <a:r>
+              <a:rPr lang="en-US" dirty="0" smtClean="0"/>
+              <a:t>, </a:t>
+            </a:r>
+            <a:r>
+              <a:rPr lang="en-US" dirty="0" err="1" smtClean="0"/>
+              <a:t>Redis</a:t>
+            </a:r>
+            <a:r>
+              <a:rPr lang="en-US" dirty="0" smtClean="0"/>
+              <a:t>, various Proxies</a:t>
+            </a:r>
+          </a:p>
+          <a:p>
+            <a:pPr lvl="1"/>
+            <a:r>
+              <a:rPr lang="en-US" dirty="0" smtClean="0"/>
+              <a:t>If you need to Auto Scale, </a:t>
+            </a:r>
+            <a:r>
+              <a:rPr lang="en-US" smtClean="0"/>
+              <a:t>create custom </a:t>
+            </a:r>
+            <a:r>
+              <a:rPr lang="en-US" dirty="0" err="1" smtClean="0"/>
+              <a:t>CloudWatch</a:t>
+            </a:r>
+            <a:r>
+              <a:rPr lang="en-US" dirty="0" smtClean="0"/>
+              <a:t> Metrics</a:t>
+            </a:r>
             <a:endParaRPr lang="en-US" dirty="0"/>
           </a:p>
         </p:txBody>
@@ -20048,11 +19883,7 @@
           <a:p>
             <a:r>
               <a:rPr lang="en-US" dirty="0" smtClean="0"/>
-              <a:t>Monitoring: </a:t>
-            </a:r>
-            <a:r>
-              <a:rPr lang="en-US" dirty="0" err="1" smtClean="0"/>
-              <a:t>CloudWatch</a:t>
+              <a:t>Ingress: ELB, SQS or Other</a:t>
             </a:r>
             <a:endParaRPr lang="en-US" dirty="0"/>
           </a:p>
@@ -20061,7 +19892,7 @@
     </p:spTree>
     <p:extLst>
       <p:ext uri="{BB962C8B-B14F-4D97-AF65-F5344CB8AC3E}">
-        <p14:creationId xmlns:p14="http://schemas.microsoft.com/office/powerpoint/2010/main" val="3793609257"/>
+        <p14:creationId xmlns:p14="http://schemas.microsoft.com/office/powerpoint/2010/main" val="3119918725"/>
       </p:ext>
     </p:extLst>
   </p:cSld>
@@ -20105,58 +19936,6 @@
       </p:grpSpPr>
       <p:sp>
         <p:nvSpPr>
-          <p:cNvPr id="3" name="Content Placeholder 2"/>
-          <p:cNvSpPr>
-            <a:spLocks noGrp="1"/>
-          </p:cNvSpPr>
-          <p:nvPr>
-            <p:ph idx="1"/>
-          </p:nvPr>
-        </p:nvSpPr>
-        <p:spPr/>
-        <p:txBody>
-          <a:bodyPr>
-            <a:normAutofit/>
-          </a:bodyPr>
-          <a:lstStyle/>
-          <a:p>
-            <a:pPr lvl="1"/>
-            <a:r>
-              <a:rPr lang="en-US" dirty="0" smtClean="0"/>
-              <a:t>Ingress: ELB, SQS or other Ingress</a:t>
-            </a:r>
-          </a:p>
-          <a:p>
-            <a:pPr lvl="1"/>
-            <a:r>
-              <a:rPr lang="en-US" dirty="0" smtClean="0"/>
-              <a:t>Compute: Elastic Instances</a:t>
-            </a:r>
-          </a:p>
-          <a:p>
-            <a:pPr lvl="1"/>
-            <a:r>
-              <a:rPr lang="en-US" dirty="0" smtClean="0"/>
-              <a:t>Data Storage: RDS, S3, </a:t>
-            </a:r>
-            <a:r>
-              <a:rPr lang="en-US" dirty="0" err="1" smtClean="0"/>
-              <a:t>DynamoDB</a:t>
-            </a:r>
-            <a:r>
-              <a:rPr lang="en-US" dirty="0"/>
-              <a:t> </a:t>
-            </a:r>
-            <a:r>
-              <a:rPr lang="en-US" dirty="0" smtClean="0"/>
-              <a:t>or other Data Storage</a:t>
-            </a:r>
-            <a:endParaRPr lang="en-US" dirty="0"/>
-          </a:p>
-        </p:txBody>
-      </p:sp>
-      <p:sp>
-        <p:nvSpPr>
           <p:cNvPr id="2" name="Title 1"/>
           <p:cNvSpPr>
             <a:spLocks noGrp="1"/>
@@ -20174,23 +19953,222 @@
           <a:p>
             <a:r>
               <a:rPr lang="en-US" dirty="0" smtClean="0"/>
-              <a:t>AWS Architecture:</a:t>
+              <a:t>Data Storage: RDS, </a:t>
+            </a:r>
+            <a:r>
+              <a:rPr lang="en-US" dirty="0" err="1" smtClean="0"/>
+              <a:t>DynamoDB</a:t>
+            </a:r>
+            <a:r>
+              <a:rPr lang="en-US" dirty="0" smtClean="0"/>
+              <a:t>,</a:t>
             </a:r>
             <a:br>
               <a:rPr lang="en-US" dirty="0" smtClean="0"/>
             </a:br>
             <a:r>
               <a:rPr lang="en-US" dirty="0" smtClean="0"/>
-              <a:t>Typical Data Flow</a:t>
+              <a:t>S3, EBS and EFS</a:t>
             </a:r>
             <a:endParaRPr lang="en-US" dirty="0"/>
+          </a:p>
+        </p:txBody>
+      </p:sp>
+      <p:sp>
+        <p:nvSpPr>
+          <p:cNvPr id="3" name="Content Placeholder 2"/>
+          <p:cNvSpPr>
+            <a:spLocks noGrp="1"/>
+          </p:cNvSpPr>
+          <p:nvPr>
+            <p:ph sz="quarter" idx="13"/>
+          </p:nvPr>
+        </p:nvSpPr>
+        <p:spPr/>
+        <p:txBody>
+          <a:bodyPr>
+            <a:normAutofit/>
+          </a:bodyPr>
+          <a:lstStyle/>
+          <a:p>
+            <a:r>
+              <a:rPr lang="en-US" dirty="0" smtClean="0"/>
+              <a:t>RDS</a:t>
+            </a:r>
+          </a:p>
+          <a:p>
+            <a:pPr lvl="1"/>
+            <a:r>
+              <a:rPr lang="en-US" dirty="0" smtClean="0"/>
+              <a:t>MySQL, </a:t>
+            </a:r>
+            <a:r>
+              <a:rPr lang="en-US" dirty="0" err="1" smtClean="0"/>
+              <a:t>PostgreSQL</a:t>
+            </a:r>
+            <a:r>
+              <a:rPr lang="en-US" dirty="0" smtClean="0"/>
+              <a:t>, Microsoft SQL, Oracle</a:t>
+            </a:r>
+          </a:p>
+          <a:p>
+            <a:pPr lvl="1"/>
+            <a:r>
+              <a:rPr lang="en-US" dirty="0" smtClean="0"/>
+              <a:t>Multi-AZ Replication</a:t>
+            </a:r>
+          </a:p>
+          <a:p>
+            <a:r>
+              <a:rPr lang="en-US" dirty="0" err="1"/>
+              <a:t>DynamoDB</a:t>
+            </a:r>
+            <a:endParaRPr lang="en-US" dirty="0"/>
+          </a:p>
+          <a:p>
+            <a:pPr lvl="1"/>
+            <a:r>
+              <a:rPr lang="en-US" dirty="0" err="1" smtClean="0"/>
+              <a:t>NoSQL</a:t>
+            </a:r>
+            <a:r>
+              <a:rPr lang="en-US" dirty="0" smtClean="0"/>
+              <a:t> Database</a:t>
+            </a:r>
+          </a:p>
+          <a:p>
+            <a:pPr lvl="1"/>
+            <a:r>
+              <a:rPr lang="en-US" dirty="0" smtClean="0"/>
+              <a:t>Pay as You Go / Pay for IO</a:t>
+            </a:r>
+          </a:p>
+          <a:p>
+            <a:pPr lvl="1"/>
+            <a:endParaRPr lang="en-US" dirty="0"/>
+          </a:p>
+          <a:p>
+            <a:endParaRPr lang="en-US" dirty="0" smtClean="0"/>
+          </a:p>
+          <a:p>
+            <a:pPr lvl="1"/>
+            <a:endParaRPr lang="en-US" dirty="0" smtClean="0"/>
+          </a:p>
+          <a:p>
+            <a:pPr lvl="1"/>
+            <a:endParaRPr lang="en-US" dirty="0" smtClean="0"/>
+          </a:p>
+        </p:txBody>
+      </p:sp>
+      <p:sp>
+        <p:nvSpPr>
+          <p:cNvPr id="4" name="Content Placeholder 3"/>
+          <p:cNvSpPr>
+            <a:spLocks noGrp="1"/>
+          </p:cNvSpPr>
+          <p:nvPr>
+            <p:ph sz="quarter" idx="14"/>
+          </p:nvPr>
+        </p:nvSpPr>
+        <p:spPr/>
+        <p:txBody>
+          <a:bodyPr>
+            <a:normAutofit fontScale="85000" lnSpcReduction="20000"/>
+          </a:bodyPr>
+          <a:lstStyle/>
+          <a:p>
+            <a:r>
+              <a:rPr lang="en-US" dirty="0"/>
+              <a:t>S3</a:t>
+            </a:r>
+          </a:p>
+          <a:p>
+            <a:pPr lvl="1"/>
+            <a:r>
+              <a:rPr lang="en-US" dirty="0"/>
+              <a:t>Highly </a:t>
+            </a:r>
+            <a:r>
+              <a:rPr lang="en-US" dirty="0" smtClean="0"/>
+              <a:t>Available and </a:t>
+            </a:r>
+            <a:r>
+              <a:rPr lang="en-US" dirty="0"/>
+              <a:t>Highly Durable</a:t>
+            </a:r>
+          </a:p>
+          <a:p>
+            <a:pPr lvl="1"/>
+            <a:r>
+              <a:rPr lang="en-US" dirty="0"/>
+              <a:t>Eventually </a:t>
+            </a:r>
+            <a:r>
+              <a:rPr lang="en-US" dirty="0" smtClean="0"/>
+              <a:t>Consistent</a:t>
+            </a:r>
+          </a:p>
+          <a:p>
+            <a:pPr lvl="1"/>
+            <a:r>
+              <a:rPr lang="en-US" dirty="0" smtClean="0"/>
+              <a:t>Shared Storage</a:t>
+            </a:r>
+          </a:p>
+          <a:p>
+            <a:r>
+              <a:rPr lang="en-US" dirty="0" smtClean="0"/>
+              <a:t>EBS</a:t>
+            </a:r>
+            <a:endParaRPr lang="en-US" dirty="0"/>
+          </a:p>
+          <a:p>
+            <a:pPr lvl="1"/>
+            <a:r>
+              <a:rPr lang="en-US" dirty="0"/>
+              <a:t>Direct Attached Storage</a:t>
+            </a:r>
+          </a:p>
+          <a:p>
+            <a:pPr lvl="1"/>
+            <a:r>
+              <a:rPr lang="en-US" dirty="0"/>
+              <a:t>Single Availability Zone</a:t>
+            </a:r>
+            <a:endParaRPr lang="en-US" dirty="0" smtClean="0"/>
+          </a:p>
+          <a:p>
+            <a:r>
+              <a:rPr lang="en-US" dirty="0" smtClean="0"/>
+              <a:t>EFS</a:t>
+            </a:r>
+            <a:endParaRPr lang="en-US" dirty="0"/>
+          </a:p>
+          <a:p>
+            <a:pPr lvl="1"/>
+            <a:r>
+              <a:rPr lang="en-US" dirty="0" smtClean="0"/>
+              <a:t>Currently in Preview</a:t>
+            </a:r>
+            <a:endParaRPr lang="en-US" dirty="0"/>
+          </a:p>
+          <a:p>
+            <a:pPr lvl="1"/>
+            <a:r>
+              <a:rPr lang="en-US" dirty="0" smtClean="0"/>
+              <a:t>Shared Block </a:t>
+            </a:r>
+            <a:r>
+              <a:rPr lang="en-US" dirty="0"/>
+              <a:t>Storage</a:t>
+            </a:r>
           </a:p>
         </p:txBody>
       </p:sp>
     </p:spTree>
     <p:extLst>
       <p:ext uri="{BB962C8B-B14F-4D97-AF65-F5344CB8AC3E}">
-        <p14:creationId xmlns:p14="http://schemas.microsoft.com/office/powerpoint/2010/main" val="1959491456"/>
+        <p14:creationId xmlns:p14="http://schemas.microsoft.com/office/powerpoint/2010/main" val="851895621"/>
       </p:ext>
     </p:extLst>
   </p:cSld>
@@ -20234,6 +20212,63 @@
       </p:grpSpPr>
       <p:sp>
         <p:nvSpPr>
+          <p:cNvPr id="3" name="Content Placeholder 2"/>
+          <p:cNvSpPr>
+            <a:spLocks noGrp="1"/>
+          </p:cNvSpPr>
+          <p:nvPr>
+            <p:ph idx="1"/>
+          </p:nvPr>
+        </p:nvSpPr>
+        <p:spPr/>
+        <p:txBody>
+          <a:bodyPr>
+            <a:normAutofit/>
+          </a:bodyPr>
+          <a:lstStyle/>
+          <a:p>
+            <a:r>
+              <a:rPr lang="en-US" dirty="0" smtClean="0"/>
+              <a:t>All AWS Resources provide metrics to </a:t>
+            </a:r>
+            <a:r>
+              <a:rPr lang="en-US" dirty="0" err="1" smtClean="0"/>
+              <a:t>CloudWatch</a:t>
+            </a:r>
+            <a:endParaRPr lang="en-US" dirty="0" smtClean="0"/>
+          </a:p>
+          <a:p>
+            <a:r>
+              <a:rPr lang="en-US" dirty="0" smtClean="0"/>
+              <a:t>not all encompassing</a:t>
+            </a:r>
+          </a:p>
+          <a:p>
+            <a:pPr lvl="1"/>
+            <a:r>
+              <a:rPr lang="en-US" dirty="0" smtClean="0"/>
+              <a:t>Example: no free memory or disk space utilization on EC2</a:t>
+            </a:r>
+          </a:p>
+          <a:p>
+            <a:r>
+              <a:rPr lang="en-US" dirty="0" smtClean="0"/>
+              <a:t>able to be extended through custom metrics</a:t>
+            </a:r>
+          </a:p>
+          <a:p>
+            <a:r>
+              <a:rPr lang="en-US" dirty="0" smtClean="0"/>
+              <a:t>Works in tandem with AWS Resources – can trigger email alerts or Auto Scaling events</a:t>
+            </a:r>
+          </a:p>
+          <a:p>
+            <a:endParaRPr lang="en-US" dirty="0"/>
+          </a:p>
+        </p:txBody>
+      </p:sp>
+      <p:sp>
+        <p:nvSpPr>
           <p:cNvPr id="2" name="Title 1"/>
           <p:cNvSpPr>
             <a:spLocks noGrp="1"/>
@@ -20245,59 +20280,26 @@
         <p:spPr/>
         <p:txBody>
           <a:bodyPr>
-            <a:normAutofit fontScale="90000"/>
+            <a:normAutofit/>
           </a:bodyPr>
           <a:lstStyle/>
           <a:p>
             <a:r>
               <a:rPr lang="en-US" dirty="0" smtClean="0"/>
-              <a:t>AWS Architecture:</a:t>
-            </a:r>
-            <a:br>
-              <a:rPr lang="en-US" dirty="0" smtClean="0"/>
-            </a:br>
-            <a:r>
-              <a:rPr lang="en-US" dirty="0" smtClean="0"/>
-              <a:t>Typical Data Flow</a:t>
+              <a:t>Monitoring: </a:t>
+            </a:r>
+            <a:r>
+              <a:rPr lang="en-US" dirty="0" err="1" smtClean="0"/>
+              <a:t>CloudWatch</a:t>
             </a:r>
             <a:endParaRPr lang="en-US" dirty="0"/>
           </a:p>
         </p:txBody>
       </p:sp>
-      <p:pic>
-        <p:nvPicPr>
-          <p:cNvPr id="7" name="Picture 6" descr="Typical AWS Architecture.pdf"/>
-          <p:cNvPicPr>
-            <a:picLocks noChangeAspect="1"/>
-          </p:cNvPicPr>
-          <p:nvPr/>
-        </p:nvPicPr>
-        <p:blipFill>
-          <a:blip r:embed="rId3">
-            <a:extLst>
-              <a:ext uri="{28A0092B-C50C-407E-A947-70E740481C1C}">
-                <a14:useLocalDpi xmlns:a14="http://schemas.microsoft.com/office/drawing/2010/main" val="0"/>
-              </a:ext>
-            </a:extLst>
-          </a:blip>
-          <a:stretch>
-            <a:fillRect/>
-          </a:stretch>
-        </p:blipFill>
-        <p:spPr>
-          <a:xfrm>
-            <a:off x="415924" y="2889767"/>
-            <a:ext cx="8308975" cy="3385882"/>
-          </a:xfrm>
-          <a:prstGeom prst="rect">
-            <a:avLst/>
-          </a:prstGeom>
-        </p:spPr>
-      </p:pic>
     </p:spTree>
     <p:extLst>
       <p:ext uri="{BB962C8B-B14F-4D97-AF65-F5344CB8AC3E}">
-        <p14:creationId xmlns:p14="http://schemas.microsoft.com/office/powerpoint/2010/main" val="1366523385"/>
+        <p14:creationId xmlns:p14="http://schemas.microsoft.com/office/powerpoint/2010/main" val="3793609257"/>
       </p:ext>
     </p:extLst>
   </p:cSld>
